--- a/Presentation Material/2D Colossi Arena.pptx
+++ b/Presentation Material/2D Colossi Arena.pptx
@@ -1,36 +1,36 @@
 
 <file path=ppt/presentation.xml><?xml version="1.0" encoding="utf-8"?>
-<p:presentation xmlns:a="http://schemas.openxmlformats.org/drawingml/2006/main" xmlns:r="http://schemas.openxmlformats.org/officeDocument/2006/relationships" xmlns:mc="http://schemas.openxmlformats.org/markup-compatibility/2006" xmlns:mv="urn:schemas-microsoft-com:mac:vml" xmlns:p="http://schemas.openxmlformats.org/presentationml/2006/main" xmlns:c="http://schemas.openxmlformats.org/drawingml/2006/chart" xmlns:dgm="http://schemas.openxmlformats.org/drawingml/2006/diagram" xmlns:o="urn:schemas-microsoft-com:office:office" xmlns:v="urn:schemas-microsoft-com:vml" xmlns:pvml="urn:schemas-microsoft-com:office:powerpoint" xmlns:com="http://schemas.openxmlformats.org/drawingml/2006/compatibility" xmlns:p14="http://schemas.microsoft.com/office/powerpoint/2010/main" autoCompressPictures="0" embedTrueTypeFonts="1" strictFirstAndLastChars="0" saveSubsetFonts="1">
+<p:presentation xmlns:a="http://schemas.openxmlformats.org/drawingml/2006/main" xmlns:r="http://schemas.openxmlformats.org/officeDocument/2006/relationships" xmlns:p="http://schemas.openxmlformats.org/presentationml/2006/main" strictFirstAndLastChars="0" embedTrueTypeFonts="1" saveSubsetFonts="1" autoCompressPictures="0">
   <p:sldMasterIdLst>
-    <p:sldMasterId id="2147483659" r:id="rId3"/>
+    <p:sldMasterId id="2147483659" r:id="rId1"/>
   </p:sldMasterIdLst>
   <p:notesMasterIdLst>
-    <p:notesMasterId r:id="rId4"/>
+    <p:notesMasterId r:id="rId11"/>
   </p:notesMasterIdLst>
   <p:sldIdLst>
-    <p:sldId id="256" r:id="rId5"/>
-    <p:sldId id="257" r:id="rId6"/>
-    <p:sldId id="258" r:id="rId7"/>
-    <p:sldId id="259" r:id="rId8"/>
-    <p:sldId id="260" r:id="rId9"/>
-    <p:sldId id="261" r:id="rId10"/>
-    <p:sldId id="262" r:id="rId11"/>
-    <p:sldId id="263" r:id="rId12"/>
-    <p:sldId id="264" r:id="rId13"/>
+    <p:sldId id="256" r:id="rId2"/>
+    <p:sldId id="257" r:id="rId3"/>
+    <p:sldId id="258" r:id="rId4"/>
+    <p:sldId id="259" r:id="rId5"/>
+    <p:sldId id="260" r:id="rId6"/>
+    <p:sldId id="261" r:id="rId7"/>
+    <p:sldId id="262" r:id="rId8"/>
+    <p:sldId id="263" r:id="rId9"/>
+    <p:sldId id="264" r:id="rId10"/>
   </p:sldIdLst>
-  <p:sldSz cy="5143500" cx="9144000"/>
+  <p:sldSz cx="9144000" cy="5143500" type="screen16x9"/>
   <p:notesSz cx="6858000" cy="9144000"/>
   <p:embeddedFontLst>
     <p:embeddedFont>
-      <p:font typeface="Lato"/>
-      <p:regular r:id="rId14"/>
-      <p:bold r:id="rId15"/>
-      <p:italic r:id="rId16"/>
-      <p:boldItalic r:id="rId17"/>
+      <p:font typeface="Lato" charset="0"/>
+      <p:regular r:id="rId12"/>
+      <p:bold r:id="rId13"/>
+      <p:italic r:id="rId14"/>
+      <p:boldItalic r:id="rId15"/>
     </p:embeddedFont>
   </p:embeddedFontLst>
   <p:defaultTextStyle>
-    <a:defPPr lvl="0" marR="0" rtl="0" algn="l">
+    <a:defPPr marR="0" lvl="0" algn="l" rtl="0">
       <a:lnSpc>
         <a:spcPct val="100000"/>
       </a:lnSpc>
@@ -41,7 +41,7 @@
         <a:spcPts val="0"/>
       </a:spcAft>
     </a:defPPr>
-    <a:lvl1pPr lvl="0" marR="0" rtl="0" algn="l">
+    <a:lvl1pPr marR="0" lvl="0" algn="l" rtl="0">
       <a:lnSpc>
         <a:spcPct val="100000"/>
       </a:lnSpc>
@@ -52,7 +52,7 @@
         <a:spcPts val="0"/>
       </a:spcAft>
       <a:buNone/>
-      <a:defRPr b="0" i="0" sz="1400" u="none" cap="none" strike="noStrike">
+      <a:defRPr sz="1400" b="0" i="0" u="none" strike="noStrike" cap="none">
         <a:solidFill>
           <a:srgbClr val="000000"/>
         </a:solidFill>
@@ -62,7 +62,7 @@
         <a:sym typeface="Arial"/>
       </a:defRPr>
     </a:lvl1pPr>
-    <a:lvl2pPr lvl="1" marR="0" rtl="0" algn="l">
+    <a:lvl2pPr marR="0" lvl="1" algn="l" rtl="0">
       <a:lnSpc>
         <a:spcPct val="100000"/>
       </a:lnSpc>
@@ -73,7 +73,7 @@
         <a:spcPts val="0"/>
       </a:spcAft>
       <a:buNone/>
-      <a:defRPr b="0" i="0" sz="1400" u="none" cap="none" strike="noStrike">
+      <a:defRPr sz="1400" b="0" i="0" u="none" strike="noStrike" cap="none">
         <a:solidFill>
           <a:srgbClr val="000000"/>
         </a:solidFill>
@@ -83,7 +83,7 @@
         <a:sym typeface="Arial"/>
       </a:defRPr>
     </a:lvl2pPr>
-    <a:lvl3pPr lvl="2" marR="0" rtl="0" algn="l">
+    <a:lvl3pPr marR="0" lvl="2" algn="l" rtl="0">
       <a:lnSpc>
         <a:spcPct val="100000"/>
       </a:lnSpc>
@@ -94,7 +94,7 @@
         <a:spcPts val="0"/>
       </a:spcAft>
       <a:buNone/>
-      <a:defRPr b="0" i="0" sz="1400" u="none" cap="none" strike="noStrike">
+      <a:defRPr sz="1400" b="0" i="0" u="none" strike="noStrike" cap="none">
         <a:solidFill>
           <a:srgbClr val="000000"/>
         </a:solidFill>
@@ -104,7 +104,7 @@
         <a:sym typeface="Arial"/>
       </a:defRPr>
     </a:lvl3pPr>
-    <a:lvl4pPr lvl="3" marR="0" rtl="0" algn="l">
+    <a:lvl4pPr marR="0" lvl="3" algn="l" rtl="0">
       <a:lnSpc>
         <a:spcPct val="100000"/>
       </a:lnSpc>
@@ -115,7 +115,7 @@
         <a:spcPts val="0"/>
       </a:spcAft>
       <a:buNone/>
-      <a:defRPr b="0" i="0" sz="1400" u="none" cap="none" strike="noStrike">
+      <a:defRPr sz="1400" b="0" i="0" u="none" strike="noStrike" cap="none">
         <a:solidFill>
           <a:srgbClr val="000000"/>
         </a:solidFill>
@@ -125,7 +125,7 @@
         <a:sym typeface="Arial"/>
       </a:defRPr>
     </a:lvl4pPr>
-    <a:lvl5pPr lvl="4" marR="0" rtl="0" algn="l">
+    <a:lvl5pPr marR="0" lvl="4" algn="l" rtl="0">
       <a:lnSpc>
         <a:spcPct val="100000"/>
       </a:lnSpc>
@@ -136,7 +136,7 @@
         <a:spcPts val="0"/>
       </a:spcAft>
       <a:buNone/>
-      <a:defRPr b="0" i="0" sz="1400" u="none" cap="none" strike="noStrike">
+      <a:defRPr sz="1400" b="0" i="0" u="none" strike="noStrike" cap="none">
         <a:solidFill>
           <a:srgbClr val="000000"/>
         </a:solidFill>
@@ -146,7 +146,7 @@
         <a:sym typeface="Arial"/>
       </a:defRPr>
     </a:lvl5pPr>
-    <a:lvl6pPr lvl="5" marR="0" rtl="0" algn="l">
+    <a:lvl6pPr marR="0" lvl="5" algn="l" rtl="0">
       <a:lnSpc>
         <a:spcPct val="100000"/>
       </a:lnSpc>
@@ -157,7 +157,7 @@
         <a:spcPts val="0"/>
       </a:spcAft>
       <a:buNone/>
-      <a:defRPr b="0" i="0" sz="1400" u="none" cap="none" strike="noStrike">
+      <a:defRPr sz="1400" b="0" i="0" u="none" strike="noStrike" cap="none">
         <a:solidFill>
           <a:srgbClr val="000000"/>
         </a:solidFill>
@@ -167,7 +167,7 @@
         <a:sym typeface="Arial"/>
       </a:defRPr>
     </a:lvl6pPr>
-    <a:lvl7pPr lvl="6" marR="0" rtl="0" algn="l">
+    <a:lvl7pPr marR="0" lvl="6" algn="l" rtl="0">
       <a:lnSpc>
         <a:spcPct val="100000"/>
       </a:lnSpc>
@@ -178,7 +178,7 @@
         <a:spcPts val="0"/>
       </a:spcAft>
       <a:buNone/>
-      <a:defRPr b="0" i="0" sz="1400" u="none" cap="none" strike="noStrike">
+      <a:defRPr sz="1400" b="0" i="0" u="none" strike="noStrike" cap="none">
         <a:solidFill>
           <a:srgbClr val="000000"/>
         </a:solidFill>
@@ -188,7 +188,7 @@
         <a:sym typeface="Arial"/>
       </a:defRPr>
     </a:lvl7pPr>
-    <a:lvl8pPr lvl="7" marR="0" rtl="0" algn="l">
+    <a:lvl8pPr marR="0" lvl="7" algn="l" rtl="0">
       <a:lnSpc>
         <a:spcPct val="100000"/>
       </a:lnSpc>
@@ -199,7 +199,7 @@
         <a:spcPts val="0"/>
       </a:spcAft>
       <a:buNone/>
-      <a:defRPr b="0" i="0" sz="1400" u="none" cap="none" strike="noStrike">
+      <a:defRPr sz="1400" b="0" i="0" u="none" strike="noStrike" cap="none">
         <a:solidFill>
           <a:srgbClr val="000000"/>
         </a:solidFill>
@@ -209,7 +209,7 @@
         <a:sym typeface="Arial"/>
       </a:defRPr>
     </a:lvl8pPr>
-    <a:lvl9pPr lvl="8" marR="0" rtl="0" algn="l">
+    <a:lvl9pPr marR="0" lvl="8" algn="l" rtl="0">
       <a:lnSpc>
         <a:spcPct val="100000"/>
       </a:lnSpc>
@@ -220,7 +220,7 @@
         <a:spcPts val="0"/>
       </a:spcAft>
       <a:buNone/>
-      <a:defRPr b="0" i="0" sz="1400" u="none" cap="none" strike="noStrike">
+      <a:defRPr sz="1400" b="0" i="0" u="none" strike="noStrike" cap="none">
         <a:solidFill>
           <a:srgbClr val="000000"/>
         </a:solidFill>
@@ -235,11 +235,16 @@
 </file>
 
 <file path=ppt/notesMasters/notesMaster1.xml><?xml version="1.0" encoding="utf-8"?>
-<p:notesMaster xmlns:a="http://schemas.openxmlformats.org/drawingml/2006/main" xmlns:r="http://schemas.openxmlformats.org/officeDocument/2006/relationships" xmlns:mc="http://schemas.openxmlformats.org/markup-compatibility/2006" xmlns:mv="urn:schemas-microsoft-com:mac:vml" xmlns:p="http://schemas.openxmlformats.org/presentationml/2006/main" xmlns:c="http://schemas.openxmlformats.org/drawingml/2006/chart" xmlns:dgm="http://schemas.openxmlformats.org/drawingml/2006/diagram" xmlns:o="urn:schemas-microsoft-com:office:office" xmlns:v="urn:schemas-microsoft-com:vml" xmlns:pvml="urn:schemas-microsoft-com:office:powerpoint" xmlns:com="http://schemas.openxmlformats.org/drawingml/2006/compatibility" xmlns:p14="http://schemas.microsoft.com/office/powerpoint/2010/main">
+<p:notesMaster xmlns:a="http://schemas.openxmlformats.org/drawingml/2006/main" xmlns:r="http://schemas.openxmlformats.org/officeDocument/2006/relationships" xmlns:p="http://schemas.openxmlformats.org/presentationml/2006/main">
   <p:cSld>
+    <p:bg>
+      <p:bgRef idx="1001">
+        <a:schemeClr val="bg1"/>
+      </p:bgRef>
+    </p:bg>
     <p:spTree>
       <p:nvGrpSpPr>
-        <p:cNvPr id="2" name="Shape 2"/>
+        <p:cNvPr id="1" name="Shape 2"/>
         <p:cNvGrpSpPr/>
         <p:nvPr/>
       </p:nvGrpSpPr>
@@ -254,9 +259,11 @@
       <p:sp>
         <p:nvSpPr>
           <p:cNvPr id="3" name="Shape 3"/>
-          <p:cNvSpPr/>
+          <p:cNvSpPr>
+            <a:spLocks noGrp="1" noRot="1" noChangeAspect="1"/>
+          </p:cNvSpPr>
           <p:nvPr>
-            <p:ph idx="2" type="sldImg"/>
+            <p:ph type="sldImg" idx="2"/>
           </p:nvPr>
         </p:nvSpPr>
         <p:spPr>
@@ -265,8 +272,13 @@
             <a:ext cx="6096075" cy="3429000"/>
           </a:xfrm>
           <a:custGeom>
+            <a:avLst/>
+            <a:gdLst/>
+            <a:ahLst/>
+            <a:cxnLst/>
+            <a:rect l="0" t="0" r="0" b="0"/>
             <a:pathLst>
-              <a:path extrusionOk="0" h="120000" w="120000">
+              <a:path w="120000" h="120000" extrusionOk="0">
                 <a:moveTo>
                   <a:pt x="0" y="0"/>
                 </a:moveTo>
@@ -284,23 +296,25 @@
             </a:pathLst>
           </a:custGeom>
           <a:noFill/>
-          <a:ln cap="flat" cmpd="sng" w="9525">
+          <a:ln w="9525" cap="flat" cmpd="sng">
             <a:solidFill>
               <a:srgbClr val="000000"/>
             </a:solidFill>
             <a:prstDash val="solid"/>
             <a:round/>
-            <a:headEnd len="med" w="med" type="none"/>
-            <a:tailEnd len="med" w="med" type="none"/>
+            <a:headEnd type="none" w="med" len="med"/>
+            <a:tailEnd type="none" w="med" len="med"/>
           </a:ln>
         </p:spPr>
       </p:sp>
       <p:sp>
         <p:nvSpPr>
           <p:cNvPr id="4" name="Shape 4"/>
-          <p:cNvSpPr txBox="1"/>
+          <p:cNvSpPr txBox="1">
+            <a:spLocks noGrp="1"/>
+          </p:cNvSpPr>
           <p:nvPr>
-            <p:ph idx="1" type="body"/>
+            <p:ph type="body" idx="1"/>
           </p:nvPr>
         </p:nvSpPr>
         <p:spPr>
@@ -317,7 +331,7 @@
           </a:ln>
         </p:spPr>
         <p:txBody>
-          <a:bodyPr anchorCtr="0" anchor="t" bIns="91425" lIns="91425" rIns="91425" tIns="91425"/>
+          <a:bodyPr lIns="91425" tIns="91425" rIns="91425" bIns="91425" anchor="t" anchorCtr="0"/>
           <a:lstStyle>
             <a:lvl1pPr lvl="0">
               <a:spcBef>
@@ -374,21 +388,115 @@
               <a:defRPr sz="1100"/>
             </a:lvl9pPr>
           </a:lstStyle>
-          <a:p/>
+          <a:p>
+            <a:endParaRPr/>
+          </a:p>
         </p:txBody>
       </p:sp>
     </p:spTree>
   </p:cSld>
-  <p:clrMap accent1="accent1" accent2="accent2" accent3="accent3" accent4="accent4" accent5="accent5" accent6="accent6" bg1="lt1" bg2="dk2" tx1="dk1" tx2="lt2" folHlink="folHlink" hlink="hlink"/>
+  <p:clrMap bg1="lt1" tx1="dk1" bg2="dk2" tx2="lt2" accent1="accent1" accent2="accent2" accent3="accent3" accent4="accent4" accent5="accent5" accent6="accent6" hlink="hlink" folHlink="folHlink"/>
+  <p:notesStyle>
+    <a:lvl1pPr marL="0" algn="l" defTabSz="914400" rtl="0" eaLnBrk="1" latinLnBrk="0" hangingPunct="1">
+      <a:defRPr sz="1200" kern="1200">
+        <a:solidFill>
+          <a:schemeClr val="tx1"/>
+        </a:solidFill>
+        <a:latin typeface="+mn-lt"/>
+        <a:ea typeface="+mn-ea"/>
+        <a:cs typeface="+mn-cs"/>
+      </a:defRPr>
+    </a:lvl1pPr>
+    <a:lvl2pPr marL="457200" algn="l" defTabSz="914400" rtl="0" eaLnBrk="1" latinLnBrk="0" hangingPunct="1">
+      <a:defRPr sz="1200" kern="1200">
+        <a:solidFill>
+          <a:schemeClr val="tx1"/>
+        </a:solidFill>
+        <a:latin typeface="+mn-lt"/>
+        <a:ea typeface="+mn-ea"/>
+        <a:cs typeface="+mn-cs"/>
+      </a:defRPr>
+    </a:lvl2pPr>
+    <a:lvl3pPr marL="914400" algn="l" defTabSz="914400" rtl="0" eaLnBrk="1" latinLnBrk="0" hangingPunct="1">
+      <a:defRPr sz="1200" kern="1200">
+        <a:solidFill>
+          <a:schemeClr val="tx1"/>
+        </a:solidFill>
+        <a:latin typeface="+mn-lt"/>
+        <a:ea typeface="+mn-ea"/>
+        <a:cs typeface="+mn-cs"/>
+      </a:defRPr>
+    </a:lvl3pPr>
+    <a:lvl4pPr marL="1371600" algn="l" defTabSz="914400" rtl="0" eaLnBrk="1" latinLnBrk="0" hangingPunct="1">
+      <a:defRPr sz="1200" kern="1200">
+        <a:solidFill>
+          <a:schemeClr val="tx1"/>
+        </a:solidFill>
+        <a:latin typeface="+mn-lt"/>
+        <a:ea typeface="+mn-ea"/>
+        <a:cs typeface="+mn-cs"/>
+      </a:defRPr>
+    </a:lvl4pPr>
+    <a:lvl5pPr marL="1828800" algn="l" defTabSz="914400" rtl="0" eaLnBrk="1" latinLnBrk="0" hangingPunct="1">
+      <a:defRPr sz="1200" kern="1200">
+        <a:solidFill>
+          <a:schemeClr val="tx1"/>
+        </a:solidFill>
+        <a:latin typeface="+mn-lt"/>
+        <a:ea typeface="+mn-ea"/>
+        <a:cs typeface="+mn-cs"/>
+      </a:defRPr>
+    </a:lvl5pPr>
+    <a:lvl6pPr marL="2286000" algn="l" defTabSz="914400" rtl="0" eaLnBrk="1" latinLnBrk="0" hangingPunct="1">
+      <a:defRPr sz="1200" kern="1200">
+        <a:solidFill>
+          <a:schemeClr val="tx1"/>
+        </a:solidFill>
+        <a:latin typeface="+mn-lt"/>
+        <a:ea typeface="+mn-ea"/>
+        <a:cs typeface="+mn-cs"/>
+      </a:defRPr>
+    </a:lvl6pPr>
+    <a:lvl7pPr marL="2743200" algn="l" defTabSz="914400" rtl="0" eaLnBrk="1" latinLnBrk="0" hangingPunct="1">
+      <a:defRPr sz="1200" kern="1200">
+        <a:solidFill>
+          <a:schemeClr val="tx1"/>
+        </a:solidFill>
+        <a:latin typeface="+mn-lt"/>
+        <a:ea typeface="+mn-ea"/>
+        <a:cs typeface="+mn-cs"/>
+      </a:defRPr>
+    </a:lvl7pPr>
+    <a:lvl8pPr marL="3200400" algn="l" defTabSz="914400" rtl="0" eaLnBrk="1" latinLnBrk="0" hangingPunct="1">
+      <a:defRPr sz="1200" kern="1200">
+        <a:solidFill>
+          <a:schemeClr val="tx1"/>
+        </a:solidFill>
+        <a:latin typeface="+mn-lt"/>
+        <a:ea typeface="+mn-ea"/>
+        <a:cs typeface="+mn-cs"/>
+      </a:defRPr>
+    </a:lvl8pPr>
+    <a:lvl9pPr marL="3657600" algn="l" defTabSz="914400" rtl="0" eaLnBrk="1" latinLnBrk="0" hangingPunct="1">
+      <a:defRPr sz="1200" kern="1200">
+        <a:solidFill>
+          <a:schemeClr val="tx1"/>
+        </a:solidFill>
+        <a:latin typeface="+mn-lt"/>
+        <a:ea typeface="+mn-ea"/>
+        <a:cs typeface="+mn-cs"/>
+      </a:defRPr>
+    </a:lvl9pPr>
+  </p:notesStyle>
 </p:notesMaster>
 </file>
 
 <file path=ppt/notesSlides/notesSlide1.xml><?xml version="1.0" encoding="utf-8"?>
-<p:notes xmlns:a="http://schemas.openxmlformats.org/drawingml/2006/main" xmlns:r="http://schemas.openxmlformats.org/officeDocument/2006/relationships" xmlns:mc="http://schemas.openxmlformats.org/markup-compatibility/2006" xmlns:mv="urn:schemas-microsoft-com:mac:vml" xmlns:p="http://schemas.openxmlformats.org/presentationml/2006/main" xmlns:c="http://schemas.openxmlformats.org/drawingml/2006/chart" xmlns:dgm="http://schemas.openxmlformats.org/drawingml/2006/diagram" xmlns:o="urn:schemas-microsoft-com:office:office" xmlns:v="urn:schemas-microsoft-com:vml" xmlns:pvml="urn:schemas-microsoft-com:office:powerpoint" xmlns:com="http://schemas.openxmlformats.org/drawingml/2006/compatibility" xmlns:p14="http://schemas.microsoft.com/office/powerpoint/2010/main" showMasterPhAnim="0" showMasterSp="0">
+<p:notes xmlns:a="http://schemas.openxmlformats.org/drawingml/2006/main" xmlns:r="http://schemas.openxmlformats.org/officeDocument/2006/relationships" xmlns:p="http://schemas.openxmlformats.org/presentationml/2006/main" showMasterSp="0" showMasterPhAnim="0">
   <p:cSld>
     <p:spTree>
       <p:nvGrpSpPr>
-        <p:cNvPr id="50" name="Shape 50"/>
+        <p:cNvPr id="1" name="Shape 50"/>
         <p:cNvGrpSpPr/>
         <p:nvPr/>
       </p:nvGrpSpPr>
@@ -403,9 +511,11 @@
       <p:sp>
         <p:nvSpPr>
           <p:cNvPr id="51" name="Shape 51"/>
-          <p:cNvSpPr/>
+          <p:cNvSpPr>
+            <a:spLocks noGrp="1" noRot="1" noChangeAspect="1"/>
+          </p:cNvSpPr>
           <p:nvPr>
-            <p:ph idx="2" type="sldImg"/>
+            <p:ph type="sldImg" idx="2"/>
           </p:nvPr>
         </p:nvSpPr>
         <p:spPr>
@@ -414,8 +524,13 @@
             <a:ext cx="6096000" cy="3429000"/>
           </a:xfrm>
           <a:custGeom>
+            <a:avLst/>
+            <a:gdLst/>
+            <a:ahLst/>
+            <a:cxnLst/>
+            <a:rect l="0" t="0" r="0" b="0"/>
             <a:pathLst>
-              <a:path extrusionOk="0" h="120000" w="120000">
+              <a:path w="120000" h="120000" extrusionOk="0">
                 <a:moveTo>
                   <a:pt x="0" y="0"/>
                 </a:moveTo>
@@ -437,9 +552,11 @@
       <p:sp>
         <p:nvSpPr>
           <p:cNvPr id="52" name="Shape 52"/>
-          <p:cNvSpPr txBox="1"/>
+          <p:cNvSpPr txBox="1">
+            <a:spLocks noGrp="1"/>
+          </p:cNvSpPr>
           <p:nvPr>
-            <p:ph idx="1" type="body"/>
+            <p:ph type="body" idx="1"/>
           </p:nvPr>
         </p:nvSpPr>
         <p:spPr>
@@ -452,7 +569,7 @@
           </a:prstGeom>
         </p:spPr>
         <p:txBody>
-          <a:bodyPr anchorCtr="0" anchor="t" bIns="91425" lIns="91425" rIns="91425" tIns="91425">
+          <a:bodyPr lIns="91425" tIns="91425" rIns="91425" bIns="91425" anchor="t" anchorCtr="0">
             <a:noAutofit/>
           </a:bodyPr>
           <a:lstStyle/>
@@ -463,9 +580,6 @@
               </a:spcBef>
               <a:buNone/>
             </a:pPr>
-            <a:r>
-              <a:t/>
-            </a:r>
             <a:endParaRPr/>
           </a:p>
         </p:txBody>
@@ -479,11 +593,11 @@
 </file>
 
 <file path=ppt/notesSlides/notesSlide2.xml><?xml version="1.0" encoding="utf-8"?>
-<p:notes xmlns:a="http://schemas.openxmlformats.org/drawingml/2006/main" xmlns:r="http://schemas.openxmlformats.org/officeDocument/2006/relationships" xmlns:mc="http://schemas.openxmlformats.org/markup-compatibility/2006" xmlns:mv="urn:schemas-microsoft-com:mac:vml" xmlns:p="http://schemas.openxmlformats.org/presentationml/2006/main" xmlns:c="http://schemas.openxmlformats.org/drawingml/2006/chart" xmlns:dgm="http://schemas.openxmlformats.org/drawingml/2006/diagram" xmlns:o="urn:schemas-microsoft-com:office:office" xmlns:v="urn:schemas-microsoft-com:vml" xmlns:pvml="urn:schemas-microsoft-com:office:powerpoint" xmlns:com="http://schemas.openxmlformats.org/drawingml/2006/compatibility" xmlns:p14="http://schemas.microsoft.com/office/powerpoint/2010/main" showMasterPhAnim="0" showMasterSp="0">
+<p:notes xmlns:a="http://schemas.openxmlformats.org/drawingml/2006/main" xmlns:r="http://schemas.openxmlformats.org/officeDocument/2006/relationships" xmlns:p="http://schemas.openxmlformats.org/presentationml/2006/main" showMasterSp="0" showMasterPhAnim="0">
   <p:cSld>
     <p:spTree>
       <p:nvGrpSpPr>
-        <p:cNvPr id="56" name="Shape 56"/>
+        <p:cNvPr id="1" name="Shape 56"/>
         <p:cNvGrpSpPr/>
         <p:nvPr/>
       </p:nvGrpSpPr>
@@ -498,9 +612,11 @@
       <p:sp>
         <p:nvSpPr>
           <p:cNvPr id="57" name="Shape 57"/>
-          <p:cNvSpPr/>
+          <p:cNvSpPr>
+            <a:spLocks noGrp="1" noRot="1" noChangeAspect="1"/>
+          </p:cNvSpPr>
           <p:nvPr>
-            <p:ph idx="2" type="sldImg"/>
+            <p:ph type="sldImg" idx="2"/>
           </p:nvPr>
         </p:nvSpPr>
         <p:spPr>
@@ -509,8 +625,13 @@
             <a:ext cx="6096000" cy="3429000"/>
           </a:xfrm>
           <a:custGeom>
+            <a:avLst/>
+            <a:gdLst/>
+            <a:ahLst/>
+            <a:cxnLst/>
+            <a:rect l="0" t="0" r="0" b="0"/>
             <a:pathLst>
-              <a:path extrusionOk="0" h="120000" w="120000">
+              <a:path w="120000" h="120000" extrusionOk="0">
                 <a:moveTo>
                   <a:pt x="0" y="0"/>
                 </a:moveTo>
@@ -532,9 +653,11 @@
       <p:sp>
         <p:nvSpPr>
           <p:cNvPr id="58" name="Shape 58"/>
-          <p:cNvSpPr txBox="1"/>
+          <p:cNvSpPr txBox="1">
+            <a:spLocks noGrp="1"/>
+          </p:cNvSpPr>
           <p:nvPr>
-            <p:ph idx="1" type="body"/>
+            <p:ph type="body" idx="1"/>
           </p:nvPr>
         </p:nvSpPr>
         <p:spPr>
@@ -547,7 +670,7 @@
           </a:prstGeom>
         </p:spPr>
         <p:txBody>
-          <a:bodyPr anchorCtr="0" anchor="t" bIns="91425" lIns="91425" rIns="91425" tIns="91425">
+          <a:bodyPr lIns="91425" tIns="91425" rIns="91425" bIns="91425" anchor="t" anchorCtr="0">
             <a:noAutofit/>
           </a:bodyPr>
           <a:lstStyle/>
@@ -558,9 +681,6 @@
               </a:spcBef>
               <a:buNone/>
             </a:pPr>
-            <a:r>
-              <a:t/>
-            </a:r>
             <a:endParaRPr/>
           </a:p>
         </p:txBody>
@@ -574,11 +694,11 @@
 </file>
 
 <file path=ppt/notesSlides/notesSlide3.xml><?xml version="1.0" encoding="utf-8"?>
-<p:notes xmlns:a="http://schemas.openxmlformats.org/drawingml/2006/main" xmlns:r="http://schemas.openxmlformats.org/officeDocument/2006/relationships" xmlns:mc="http://schemas.openxmlformats.org/markup-compatibility/2006" xmlns:mv="urn:schemas-microsoft-com:mac:vml" xmlns:p="http://schemas.openxmlformats.org/presentationml/2006/main" xmlns:c="http://schemas.openxmlformats.org/drawingml/2006/chart" xmlns:dgm="http://schemas.openxmlformats.org/drawingml/2006/diagram" xmlns:o="urn:schemas-microsoft-com:office:office" xmlns:v="urn:schemas-microsoft-com:vml" xmlns:pvml="urn:schemas-microsoft-com:office:powerpoint" xmlns:com="http://schemas.openxmlformats.org/drawingml/2006/compatibility" xmlns:p14="http://schemas.microsoft.com/office/powerpoint/2010/main" showMasterPhAnim="0" showMasterSp="0">
+<p:notes xmlns:a="http://schemas.openxmlformats.org/drawingml/2006/main" xmlns:r="http://schemas.openxmlformats.org/officeDocument/2006/relationships" xmlns:p="http://schemas.openxmlformats.org/presentationml/2006/main" showMasterSp="0" showMasterPhAnim="0">
   <p:cSld>
     <p:spTree>
       <p:nvGrpSpPr>
-        <p:cNvPr id="62" name="Shape 62"/>
+        <p:cNvPr id="1" name="Shape 62"/>
         <p:cNvGrpSpPr/>
         <p:nvPr/>
       </p:nvGrpSpPr>
@@ -593,9 +713,11 @@
       <p:sp>
         <p:nvSpPr>
           <p:cNvPr id="63" name="Shape 63"/>
-          <p:cNvSpPr/>
+          <p:cNvSpPr>
+            <a:spLocks noGrp="1" noRot="1" noChangeAspect="1"/>
+          </p:cNvSpPr>
           <p:nvPr>
-            <p:ph idx="2" type="sldImg"/>
+            <p:ph type="sldImg" idx="2"/>
           </p:nvPr>
         </p:nvSpPr>
         <p:spPr>
@@ -604,8 +726,13 @@
             <a:ext cx="6096000" cy="3429000"/>
           </a:xfrm>
           <a:custGeom>
+            <a:avLst/>
+            <a:gdLst/>
+            <a:ahLst/>
+            <a:cxnLst/>
+            <a:rect l="0" t="0" r="0" b="0"/>
             <a:pathLst>
-              <a:path extrusionOk="0" h="120000" w="120000">
+              <a:path w="120000" h="120000" extrusionOk="0">
                 <a:moveTo>
                   <a:pt x="0" y="0"/>
                 </a:moveTo>
@@ -627,9 +754,11 @@
       <p:sp>
         <p:nvSpPr>
           <p:cNvPr id="64" name="Shape 64"/>
-          <p:cNvSpPr txBox="1"/>
+          <p:cNvSpPr txBox="1">
+            <a:spLocks noGrp="1"/>
+          </p:cNvSpPr>
           <p:nvPr>
-            <p:ph idx="1" type="body"/>
+            <p:ph type="body" idx="1"/>
           </p:nvPr>
         </p:nvSpPr>
         <p:spPr>
@@ -642,7 +771,7 @@
           </a:prstGeom>
         </p:spPr>
         <p:txBody>
-          <a:bodyPr anchorCtr="0" anchor="t" bIns="91425" lIns="91425" rIns="91425" tIns="91425">
+          <a:bodyPr lIns="91425" tIns="91425" rIns="91425" bIns="91425" anchor="t" anchorCtr="0">
             <a:noAutofit/>
           </a:bodyPr>
           <a:lstStyle/>
@@ -653,9 +782,6 @@
               </a:spcBef>
               <a:buNone/>
             </a:pPr>
-            <a:r>
-              <a:t/>
-            </a:r>
             <a:endParaRPr/>
           </a:p>
         </p:txBody>
@@ -669,11 +795,11 @@
 </file>
 
 <file path=ppt/notesSlides/notesSlide4.xml><?xml version="1.0" encoding="utf-8"?>
-<p:notes xmlns:a="http://schemas.openxmlformats.org/drawingml/2006/main" xmlns:r="http://schemas.openxmlformats.org/officeDocument/2006/relationships" xmlns:mc="http://schemas.openxmlformats.org/markup-compatibility/2006" xmlns:mv="urn:schemas-microsoft-com:mac:vml" xmlns:p="http://schemas.openxmlformats.org/presentationml/2006/main" xmlns:c="http://schemas.openxmlformats.org/drawingml/2006/chart" xmlns:dgm="http://schemas.openxmlformats.org/drawingml/2006/diagram" xmlns:o="urn:schemas-microsoft-com:office:office" xmlns:v="urn:schemas-microsoft-com:vml" xmlns:pvml="urn:schemas-microsoft-com:office:powerpoint" xmlns:com="http://schemas.openxmlformats.org/drawingml/2006/compatibility" xmlns:p14="http://schemas.microsoft.com/office/powerpoint/2010/main" showMasterPhAnim="0" showMasterSp="0">
+<p:notes xmlns:a="http://schemas.openxmlformats.org/drawingml/2006/main" xmlns:r="http://schemas.openxmlformats.org/officeDocument/2006/relationships" xmlns:p="http://schemas.openxmlformats.org/presentationml/2006/main" showMasterSp="0" showMasterPhAnim="0">
   <p:cSld>
     <p:spTree>
       <p:nvGrpSpPr>
-        <p:cNvPr id="68" name="Shape 68"/>
+        <p:cNvPr id="1" name="Shape 68"/>
         <p:cNvGrpSpPr/>
         <p:nvPr/>
       </p:nvGrpSpPr>
@@ -688,9 +814,11 @@
       <p:sp>
         <p:nvSpPr>
           <p:cNvPr id="69" name="Shape 69"/>
-          <p:cNvSpPr/>
+          <p:cNvSpPr>
+            <a:spLocks noGrp="1" noRot="1" noChangeAspect="1"/>
+          </p:cNvSpPr>
           <p:nvPr>
-            <p:ph idx="2" type="sldImg"/>
+            <p:ph type="sldImg" idx="2"/>
           </p:nvPr>
         </p:nvSpPr>
         <p:spPr>
@@ -699,8 +827,13 @@
             <a:ext cx="6096000" cy="3429000"/>
           </a:xfrm>
           <a:custGeom>
+            <a:avLst/>
+            <a:gdLst/>
+            <a:ahLst/>
+            <a:cxnLst/>
+            <a:rect l="0" t="0" r="0" b="0"/>
             <a:pathLst>
-              <a:path extrusionOk="0" h="120000" w="120000">
+              <a:path w="120000" h="120000" extrusionOk="0">
                 <a:moveTo>
                   <a:pt x="0" y="0"/>
                 </a:moveTo>
@@ -722,9 +855,11 @@
       <p:sp>
         <p:nvSpPr>
           <p:cNvPr id="70" name="Shape 70"/>
-          <p:cNvSpPr txBox="1"/>
+          <p:cNvSpPr txBox="1">
+            <a:spLocks noGrp="1"/>
+          </p:cNvSpPr>
           <p:nvPr>
-            <p:ph idx="1" type="body"/>
+            <p:ph type="body" idx="1"/>
           </p:nvPr>
         </p:nvSpPr>
         <p:spPr>
@@ -737,7 +872,7 @@
           </a:prstGeom>
         </p:spPr>
         <p:txBody>
-          <a:bodyPr anchorCtr="0" anchor="t" bIns="91425" lIns="91425" rIns="91425" tIns="91425">
+          <a:bodyPr lIns="91425" tIns="91425" rIns="91425" bIns="91425" anchor="t" anchorCtr="0">
             <a:noAutofit/>
           </a:bodyPr>
           <a:lstStyle/>
@@ -748,9 +883,6 @@
               </a:spcBef>
               <a:buNone/>
             </a:pPr>
-            <a:r>
-              <a:t/>
-            </a:r>
             <a:endParaRPr/>
           </a:p>
         </p:txBody>
@@ -764,11 +896,11 @@
 </file>
 
 <file path=ppt/notesSlides/notesSlide5.xml><?xml version="1.0" encoding="utf-8"?>
-<p:notes xmlns:a="http://schemas.openxmlformats.org/drawingml/2006/main" xmlns:r="http://schemas.openxmlformats.org/officeDocument/2006/relationships" xmlns:mc="http://schemas.openxmlformats.org/markup-compatibility/2006" xmlns:mv="urn:schemas-microsoft-com:mac:vml" xmlns:p="http://schemas.openxmlformats.org/presentationml/2006/main" xmlns:c="http://schemas.openxmlformats.org/drawingml/2006/chart" xmlns:dgm="http://schemas.openxmlformats.org/drawingml/2006/diagram" xmlns:o="urn:schemas-microsoft-com:office:office" xmlns:v="urn:schemas-microsoft-com:vml" xmlns:pvml="urn:schemas-microsoft-com:office:powerpoint" xmlns:com="http://schemas.openxmlformats.org/drawingml/2006/compatibility" xmlns:p14="http://schemas.microsoft.com/office/powerpoint/2010/main" showMasterPhAnim="0" showMasterSp="0">
+<p:notes xmlns:a="http://schemas.openxmlformats.org/drawingml/2006/main" xmlns:r="http://schemas.openxmlformats.org/officeDocument/2006/relationships" xmlns:p="http://schemas.openxmlformats.org/presentationml/2006/main" showMasterSp="0" showMasterPhAnim="0">
   <p:cSld>
     <p:spTree>
       <p:nvGrpSpPr>
-        <p:cNvPr id="75" name="Shape 75"/>
+        <p:cNvPr id="1" name="Shape 75"/>
         <p:cNvGrpSpPr/>
         <p:nvPr/>
       </p:nvGrpSpPr>
@@ -783,19 +915,26 @@
       <p:sp>
         <p:nvSpPr>
           <p:cNvPr id="76" name="Shape 76"/>
-          <p:cNvSpPr/>
+          <p:cNvSpPr>
+            <a:spLocks noGrp="1" noRot="1" noChangeAspect="1"/>
+          </p:cNvSpPr>
           <p:nvPr>
-            <p:ph idx="2" type="sldImg"/>
+            <p:ph type="sldImg" idx="2"/>
           </p:nvPr>
         </p:nvSpPr>
         <p:spPr>
           <a:xfrm>
-            <a:off x="381300" y="685800"/>
+            <a:off x="381000" y="685800"/>
             <a:ext cx="6096000" cy="3429000"/>
           </a:xfrm>
           <a:custGeom>
+            <a:avLst/>
+            <a:gdLst/>
+            <a:ahLst/>
+            <a:cxnLst/>
+            <a:rect l="0" t="0" r="0" b="0"/>
             <a:pathLst>
-              <a:path extrusionOk="0" h="120000" w="120000">
+              <a:path w="120000" h="120000" extrusionOk="0">
                 <a:moveTo>
                   <a:pt x="0" y="0"/>
                 </a:moveTo>
@@ -817,9 +956,11 @@
       <p:sp>
         <p:nvSpPr>
           <p:cNvPr id="77" name="Shape 77"/>
-          <p:cNvSpPr txBox="1"/>
+          <p:cNvSpPr txBox="1">
+            <a:spLocks noGrp="1"/>
+          </p:cNvSpPr>
           <p:nvPr>
-            <p:ph idx="1" type="body"/>
+            <p:ph type="body" idx="1"/>
           </p:nvPr>
         </p:nvSpPr>
         <p:spPr>
@@ -832,7 +973,7 @@
           </a:prstGeom>
         </p:spPr>
         <p:txBody>
-          <a:bodyPr anchorCtr="0" anchor="t" bIns="91425" lIns="91425" rIns="91425" tIns="91425">
+          <a:bodyPr lIns="91425" tIns="91425" rIns="91425" bIns="91425" anchor="t" anchorCtr="0">
             <a:noAutofit/>
           </a:bodyPr>
           <a:lstStyle/>
@@ -843,9 +984,6 @@
               </a:spcBef>
               <a:buNone/>
             </a:pPr>
-            <a:r>
-              <a:t/>
-            </a:r>
             <a:endParaRPr/>
           </a:p>
         </p:txBody>
@@ -859,11 +997,11 @@
 </file>
 
 <file path=ppt/notesSlides/notesSlide6.xml><?xml version="1.0" encoding="utf-8"?>
-<p:notes xmlns:a="http://schemas.openxmlformats.org/drawingml/2006/main" xmlns:r="http://schemas.openxmlformats.org/officeDocument/2006/relationships" xmlns:mc="http://schemas.openxmlformats.org/markup-compatibility/2006" xmlns:mv="urn:schemas-microsoft-com:mac:vml" xmlns:p="http://schemas.openxmlformats.org/presentationml/2006/main" xmlns:c="http://schemas.openxmlformats.org/drawingml/2006/chart" xmlns:dgm="http://schemas.openxmlformats.org/drawingml/2006/diagram" xmlns:o="urn:schemas-microsoft-com:office:office" xmlns:v="urn:schemas-microsoft-com:vml" xmlns:pvml="urn:schemas-microsoft-com:office:powerpoint" xmlns:com="http://schemas.openxmlformats.org/drawingml/2006/compatibility" xmlns:p14="http://schemas.microsoft.com/office/powerpoint/2010/main" showMasterPhAnim="0" showMasterSp="0">
+<p:notes xmlns:a="http://schemas.openxmlformats.org/drawingml/2006/main" xmlns:r="http://schemas.openxmlformats.org/officeDocument/2006/relationships" xmlns:p="http://schemas.openxmlformats.org/presentationml/2006/main" showMasterSp="0" showMasterPhAnim="0">
   <p:cSld>
     <p:spTree>
       <p:nvGrpSpPr>
-        <p:cNvPr id="81" name="Shape 81"/>
+        <p:cNvPr id="1" name="Shape 81"/>
         <p:cNvGrpSpPr/>
         <p:nvPr/>
       </p:nvGrpSpPr>
@@ -878,9 +1016,11 @@
       <p:sp>
         <p:nvSpPr>
           <p:cNvPr id="82" name="Shape 82"/>
-          <p:cNvSpPr/>
+          <p:cNvSpPr>
+            <a:spLocks noGrp="1" noRot="1" noChangeAspect="1"/>
+          </p:cNvSpPr>
           <p:nvPr>
-            <p:ph idx="2" type="sldImg"/>
+            <p:ph type="sldImg" idx="2"/>
           </p:nvPr>
         </p:nvSpPr>
         <p:spPr>
@@ -889,8 +1029,13 @@
             <a:ext cx="6096000" cy="3429000"/>
           </a:xfrm>
           <a:custGeom>
+            <a:avLst/>
+            <a:gdLst/>
+            <a:ahLst/>
+            <a:cxnLst/>
+            <a:rect l="0" t="0" r="0" b="0"/>
             <a:pathLst>
-              <a:path extrusionOk="0" h="120000" w="120000">
+              <a:path w="120000" h="120000" extrusionOk="0">
                 <a:moveTo>
                   <a:pt x="0" y="0"/>
                 </a:moveTo>
@@ -912,9 +1057,11 @@
       <p:sp>
         <p:nvSpPr>
           <p:cNvPr id="83" name="Shape 83"/>
-          <p:cNvSpPr txBox="1"/>
+          <p:cNvSpPr txBox="1">
+            <a:spLocks noGrp="1"/>
+          </p:cNvSpPr>
           <p:nvPr>
-            <p:ph idx="1" type="body"/>
+            <p:ph type="body" idx="1"/>
           </p:nvPr>
         </p:nvSpPr>
         <p:spPr>
@@ -927,7 +1074,7 @@
           </a:prstGeom>
         </p:spPr>
         <p:txBody>
-          <a:bodyPr anchorCtr="0" anchor="t" bIns="91425" lIns="91425" rIns="91425" tIns="91425">
+          <a:bodyPr lIns="91425" tIns="91425" rIns="91425" bIns="91425" anchor="t" anchorCtr="0">
             <a:noAutofit/>
           </a:bodyPr>
           <a:lstStyle/>
@@ -938,9 +1085,6 @@
               </a:spcBef>
               <a:buNone/>
             </a:pPr>
-            <a:r>
-              <a:t/>
-            </a:r>
             <a:endParaRPr/>
           </a:p>
         </p:txBody>
@@ -954,11 +1098,11 @@
 </file>
 
 <file path=ppt/notesSlides/notesSlide7.xml><?xml version="1.0" encoding="utf-8"?>
-<p:notes xmlns:a="http://schemas.openxmlformats.org/drawingml/2006/main" xmlns:r="http://schemas.openxmlformats.org/officeDocument/2006/relationships" xmlns:mc="http://schemas.openxmlformats.org/markup-compatibility/2006" xmlns:mv="urn:schemas-microsoft-com:mac:vml" xmlns:p="http://schemas.openxmlformats.org/presentationml/2006/main" xmlns:c="http://schemas.openxmlformats.org/drawingml/2006/chart" xmlns:dgm="http://schemas.openxmlformats.org/drawingml/2006/diagram" xmlns:o="urn:schemas-microsoft-com:office:office" xmlns:v="urn:schemas-microsoft-com:vml" xmlns:pvml="urn:schemas-microsoft-com:office:powerpoint" xmlns:com="http://schemas.openxmlformats.org/drawingml/2006/compatibility" xmlns:p14="http://schemas.microsoft.com/office/powerpoint/2010/main" showMasterPhAnim="0" showMasterSp="0">
+<p:notes xmlns:a="http://schemas.openxmlformats.org/drawingml/2006/main" xmlns:r="http://schemas.openxmlformats.org/officeDocument/2006/relationships" xmlns:p="http://schemas.openxmlformats.org/presentationml/2006/main" showMasterSp="0" showMasterPhAnim="0">
   <p:cSld>
     <p:spTree>
       <p:nvGrpSpPr>
-        <p:cNvPr id="87" name="Shape 87"/>
+        <p:cNvPr id="1" name="Shape 87"/>
         <p:cNvGrpSpPr/>
         <p:nvPr/>
       </p:nvGrpSpPr>
@@ -973,19 +1117,26 @@
       <p:sp>
         <p:nvSpPr>
           <p:cNvPr id="88" name="Shape 88"/>
-          <p:cNvSpPr/>
+          <p:cNvSpPr>
+            <a:spLocks noGrp="1" noRot="1" noChangeAspect="1"/>
+          </p:cNvSpPr>
           <p:nvPr>
-            <p:ph idx="2" type="sldImg"/>
+            <p:ph type="sldImg" idx="2"/>
           </p:nvPr>
         </p:nvSpPr>
         <p:spPr>
           <a:xfrm>
-            <a:off x="381300" y="685800"/>
+            <a:off x="381000" y="685800"/>
             <a:ext cx="6096000" cy="3429000"/>
           </a:xfrm>
           <a:custGeom>
+            <a:avLst/>
+            <a:gdLst/>
+            <a:ahLst/>
+            <a:cxnLst/>
+            <a:rect l="0" t="0" r="0" b="0"/>
             <a:pathLst>
-              <a:path extrusionOk="0" h="120000" w="120000">
+              <a:path w="120000" h="120000" extrusionOk="0">
                 <a:moveTo>
                   <a:pt x="0" y="0"/>
                 </a:moveTo>
@@ -1007,9 +1158,11 @@
       <p:sp>
         <p:nvSpPr>
           <p:cNvPr id="89" name="Shape 89"/>
-          <p:cNvSpPr txBox="1"/>
+          <p:cNvSpPr txBox="1">
+            <a:spLocks noGrp="1"/>
+          </p:cNvSpPr>
           <p:nvPr>
-            <p:ph idx="1" type="body"/>
+            <p:ph type="body" idx="1"/>
           </p:nvPr>
         </p:nvSpPr>
         <p:spPr>
@@ -1022,7 +1175,7 @@
           </a:prstGeom>
         </p:spPr>
         <p:txBody>
-          <a:bodyPr anchorCtr="0" anchor="t" bIns="91425" lIns="91425" rIns="91425" tIns="91425">
+          <a:bodyPr lIns="91425" tIns="91425" rIns="91425" bIns="91425" anchor="t" anchorCtr="0">
             <a:noAutofit/>
           </a:bodyPr>
           <a:lstStyle/>
@@ -1033,9 +1186,6 @@
               </a:spcBef>
               <a:buNone/>
             </a:pPr>
-            <a:r>
-              <a:t/>
-            </a:r>
             <a:endParaRPr/>
           </a:p>
         </p:txBody>
@@ -1049,11 +1199,11 @@
 </file>
 
 <file path=ppt/notesSlides/notesSlide8.xml><?xml version="1.0" encoding="utf-8"?>
-<p:notes xmlns:a="http://schemas.openxmlformats.org/drawingml/2006/main" xmlns:r="http://schemas.openxmlformats.org/officeDocument/2006/relationships" xmlns:mc="http://schemas.openxmlformats.org/markup-compatibility/2006" xmlns:mv="urn:schemas-microsoft-com:mac:vml" xmlns:p="http://schemas.openxmlformats.org/presentationml/2006/main" xmlns:c="http://schemas.openxmlformats.org/drawingml/2006/chart" xmlns:dgm="http://schemas.openxmlformats.org/drawingml/2006/diagram" xmlns:o="urn:schemas-microsoft-com:office:office" xmlns:v="urn:schemas-microsoft-com:vml" xmlns:pvml="urn:schemas-microsoft-com:office:powerpoint" xmlns:com="http://schemas.openxmlformats.org/drawingml/2006/compatibility" xmlns:p14="http://schemas.microsoft.com/office/powerpoint/2010/main" showMasterPhAnim="0" showMasterSp="0">
+<p:notes xmlns:a="http://schemas.openxmlformats.org/drawingml/2006/main" xmlns:r="http://schemas.openxmlformats.org/officeDocument/2006/relationships" xmlns:p="http://schemas.openxmlformats.org/presentationml/2006/main" showMasterSp="0" showMasterPhAnim="0">
   <p:cSld>
     <p:spTree>
       <p:nvGrpSpPr>
-        <p:cNvPr id="93" name="Shape 93"/>
+        <p:cNvPr id="1" name="Shape 93"/>
         <p:cNvGrpSpPr/>
         <p:nvPr/>
       </p:nvGrpSpPr>
@@ -1068,19 +1218,26 @@
       <p:sp>
         <p:nvSpPr>
           <p:cNvPr id="94" name="Shape 94"/>
-          <p:cNvSpPr/>
+          <p:cNvSpPr>
+            <a:spLocks noGrp="1" noRot="1" noChangeAspect="1"/>
+          </p:cNvSpPr>
           <p:nvPr>
-            <p:ph idx="2" type="sldImg"/>
+            <p:ph type="sldImg" idx="2"/>
           </p:nvPr>
         </p:nvSpPr>
         <p:spPr>
           <a:xfrm>
-            <a:off x="381300" y="685800"/>
+            <a:off x="381000" y="685800"/>
             <a:ext cx="6096000" cy="3429000"/>
           </a:xfrm>
           <a:custGeom>
+            <a:avLst/>
+            <a:gdLst/>
+            <a:ahLst/>
+            <a:cxnLst/>
+            <a:rect l="0" t="0" r="0" b="0"/>
             <a:pathLst>
-              <a:path extrusionOk="0" h="120000" w="120000">
+              <a:path w="120000" h="120000" extrusionOk="0">
                 <a:moveTo>
                   <a:pt x="0" y="0"/>
                 </a:moveTo>
@@ -1102,9 +1259,11 @@
       <p:sp>
         <p:nvSpPr>
           <p:cNvPr id="95" name="Shape 95"/>
-          <p:cNvSpPr txBox="1"/>
+          <p:cNvSpPr txBox="1">
+            <a:spLocks noGrp="1"/>
+          </p:cNvSpPr>
           <p:nvPr>
-            <p:ph idx="1" type="body"/>
+            <p:ph type="body" idx="1"/>
           </p:nvPr>
         </p:nvSpPr>
         <p:spPr>
@@ -1117,7 +1276,7 @@
           </a:prstGeom>
         </p:spPr>
         <p:txBody>
-          <a:bodyPr anchorCtr="0" anchor="t" bIns="91425" lIns="91425" rIns="91425" tIns="91425">
+          <a:bodyPr lIns="91425" tIns="91425" rIns="91425" bIns="91425" anchor="t" anchorCtr="0">
             <a:noAutofit/>
           </a:bodyPr>
           <a:lstStyle/>
@@ -1128,9 +1287,6 @@
               </a:spcBef>
               <a:buNone/>
             </a:pPr>
-            <a:r>
-              <a:t/>
-            </a:r>
             <a:endParaRPr/>
           </a:p>
         </p:txBody>
@@ -1144,11 +1300,11 @@
 </file>
 
 <file path=ppt/notesSlides/notesSlide9.xml><?xml version="1.0" encoding="utf-8"?>
-<p:notes xmlns:a="http://schemas.openxmlformats.org/drawingml/2006/main" xmlns:r="http://schemas.openxmlformats.org/officeDocument/2006/relationships" xmlns:mc="http://schemas.openxmlformats.org/markup-compatibility/2006" xmlns:mv="urn:schemas-microsoft-com:mac:vml" xmlns:p="http://schemas.openxmlformats.org/presentationml/2006/main" xmlns:c="http://schemas.openxmlformats.org/drawingml/2006/chart" xmlns:dgm="http://schemas.openxmlformats.org/drawingml/2006/diagram" xmlns:o="urn:schemas-microsoft-com:office:office" xmlns:v="urn:schemas-microsoft-com:vml" xmlns:pvml="urn:schemas-microsoft-com:office:powerpoint" xmlns:com="http://schemas.openxmlformats.org/drawingml/2006/compatibility" xmlns:p14="http://schemas.microsoft.com/office/powerpoint/2010/main" showMasterPhAnim="0" showMasterSp="0">
+<p:notes xmlns:a="http://schemas.openxmlformats.org/drawingml/2006/main" xmlns:r="http://schemas.openxmlformats.org/officeDocument/2006/relationships" xmlns:p="http://schemas.openxmlformats.org/presentationml/2006/main" showMasterSp="0" showMasterPhAnim="0">
   <p:cSld>
     <p:spTree>
       <p:nvGrpSpPr>
-        <p:cNvPr id="99" name="Shape 99"/>
+        <p:cNvPr id="1" name="Shape 99"/>
         <p:cNvGrpSpPr/>
         <p:nvPr/>
       </p:nvGrpSpPr>
@@ -1163,9 +1319,11 @@
       <p:sp>
         <p:nvSpPr>
           <p:cNvPr id="100" name="Shape 100"/>
-          <p:cNvSpPr/>
+          <p:cNvSpPr>
+            <a:spLocks noGrp="1" noRot="1" noChangeAspect="1"/>
+          </p:cNvSpPr>
           <p:nvPr>
-            <p:ph idx="2" type="sldImg"/>
+            <p:ph type="sldImg" idx="2"/>
           </p:nvPr>
         </p:nvSpPr>
         <p:spPr>
@@ -1174,8 +1332,13 @@
             <a:ext cx="6096000" cy="3429000"/>
           </a:xfrm>
           <a:custGeom>
+            <a:avLst/>
+            <a:gdLst/>
+            <a:ahLst/>
+            <a:cxnLst/>
+            <a:rect l="0" t="0" r="0" b="0"/>
             <a:pathLst>
-              <a:path extrusionOk="0" h="120000" w="120000">
+              <a:path w="120000" h="120000" extrusionOk="0">
                 <a:moveTo>
                   <a:pt x="0" y="0"/>
                 </a:moveTo>
@@ -1197,9 +1360,11 @@
       <p:sp>
         <p:nvSpPr>
           <p:cNvPr id="101" name="Shape 101"/>
-          <p:cNvSpPr txBox="1"/>
+          <p:cNvSpPr txBox="1">
+            <a:spLocks noGrp="1"/>
+          </p:cNvSpPr>
           <p:nvPr>
-            <p:ph idx="1" type="body"/>
+            <p:ph type="body" idx="1"/>
           </p:nvPr>
         </p:nvSpPr>
         <p:spPr>
@@ -1212,7 +1377,7 @@
           </a:prstGeom>
         </p:spPr>
         <p:txBody>
-          <a:bodyPr anchorCtr="0" anchor="t" bIns="91425" lIns="91425" rIns="91425" tIns="91425">
+          <a:bodyPr lIns="91425" tIns="91425" rIns="91425" bIns="91425" anchor="t" anchorCtr="0">
             <a:noAutofit/>
           </a:bodyPr>
           <a:lstStyle/>
@@ -1223,9 +1388,6 @@
               </a:spcBef>
               <a:buNone/>
             </a:pPr>
-            <a:r>
-              <a:t/>
-            </a:r>
             <a:endParaRPr/>
           </a:p>
         </p:txBody>
@@ -1239,11 +1401,11 @@
 </file>
 
 <file path=ppt/slideLayouts/slideLayout1.xml><?xml version="1.0" encoding="utf-8"?>
-<p:sldLayout xmlns:a="http://schemas.openxmlformats.org/drawingml/2006/main" xmlns:r="http://schemas.openxmlformats.org/officeDocument/2006/relationships" xmlns:mc="http://schemas.openxmlformats.org/markup-compatibility/2006" xmlns:mv="urn:schemas-microsoft-com:mac:vml" xmlns:p="http://schemas.openxmlformats.org/presentationml/2006/main" xmlns:c="http://schemas.openxmlformats.org/drawingml/2006/chart" xmlns:dgm="http://schemas.openxmlformats.org/drawingml/2006/diagram" xmlns:o="urn:schemas-microsoft-com:office:office" xmlns:v="urn:schemas-microsoft-com:vml" xmlns:pvml="urn:schemas-microsoft-com:office:powerpoint" xmlns:com="http://schemas.openxmlformats.org/drawingml/2006/compatibility" xmlns:p14="http://schemas.microsoft.com/office/powerpoint/2010/main" type="title">
+<p:sldLayout xmlns:a="http://schemas.openxmlformats.org/drawingml/2006/main" xmlns:r="http://schemas.openxmlformats.org/officeDocument/2006/relationships" xmlns:p="http://schemas.openxmlformats.org/presentationml/2006/main" type="title">
   <p:cSld name="Title slide">
     <p:spTree>
       <p:nvGrpSpPr>
-        <p:cNvPr id="9" name="Shape 9"/>
+        <p:cNvPr id="1" name="Shape 9"/>
         <p:cNvGrpSpPr/>
         <p:nvPr/>
       </p:nvGrpSpPr>
@@ -1258,7 +1420,9 @@
       <p:sp>
         <p:nvSpPr>
           <p:cNvPr id="10" name="Shape 10"/>
-          <p:cNvSpPr txBox="1"/>
+          <p:cNvSpPr txBox="1">
+            <a:spLocks noGrp="1"/>
+          </p:cNvSpPr>
           <p:nvPr>
             <p:ph type="ctrTitle"/>
           </p:nvPr>
@@ -1273,7 +1437,7 @@
           </a:prstGeom>
         </p:spPr>
         <p:txBody>
-          <a:bodyPr anchorCtr="0" anchor="b" bIns="91425" lIns="91425" rIns="91425" tIns="91425"/>
+          <a:bodyPr lIns="91425" tIns="91425" rIns="91425" bIns="91425" anchor="b" anchorCtr="0"/>
           <a:lstStyle>
             <a:lvl1pPr lvl="0" algn="ctr">
               <a:spcBef>
@@ -1339,15 +1503,19 @@
               <a:defRPr sz="5200"/>
             </a:lvl9pPr>
           </a:lstStyle>
-          <a:p/>
+          <a:p>
+            <a:endParaRPr/>
+          </a:p>
         </p:txBody>
       </p:sp>
       <p:sp>
         <p:nvSpPr>
           <p:cNvPr id="11" name="Shape 11"/>
-          <p:cNvSpPr txBox="1"/>
+          <p:cNvSpPr txBox="1">
+            <a:spLocks noGrp="1"/>
+          </p:cNvSpPr>
           <p:nvPr>
-            <p:ph idx="1" type="subTitle"/>
+            <p:ph type="subTitle" idx="1"/>
           </p:nvPr>
         </p:nvSpPr>
         <p:spPr>
@@ -1360,7 +1528,7 @@
           </a:prstGeom>
         </p:spPr>
         <p:txBody>
-          <a:bodyPr anchorCtr="0" anchor="t" bIns="91425" lIns="91425" rIns="91425" tIns="91425"/>
+          <a:bodyPr lIns="91425" tIns="91425" rIns="91425" bIns="91425" anchor="t" anchorCtr="0"/>
           <a:lstStyle>
             <a:lvl1pPr lvl="0" algn="ctr">
               <a:lnSpc>
@@ -1489,15 +1657,19 @@
               <a:defRPr sz="2800"/>
             </a:lvl9pPr>
           </a:lstStyle>
-          <a:p/>
+          <a:p>
+            <a:endParaRPr/>
+          </a:p>
         </p:txBody>
       </p:sp>
       <p:sp>
         <p:nvSpPr>
           <p:cNvPr id="12" name="Shape 12"/>
-          <p:cNvSpPr txBox="1"/>
+          <p:cNvSpPr txBox="1">
+            <a:spLocks noGrp="1"/>
+          </p:cNvSpPr>
           <p:nvPr>
-            <p:ph idx="12" type="sldNum"/>
+            <p:ph type="sldNum" idx="12"/>
           </p:nvPr>
         </p:nvSpPr>
         <p:spPr>
@@ -1510,7 +1682,7 @@
           </a:prstGeom>
         </p:spPr>
         <p:txBody>
-          <a:bodyPr anchorCtr="0" anchor="ctr" bIns="91425" lIns="91425" rIns="91425" tIns="91425">
+          <a:bodyPr lIns="91425" tIns="91425" rIns="91425" bIns="91425" anchor="ctr" anchorCtr="0">
             <a:noAutofit/>
           </a:bodyPr>
           <a:lstStyle/>
@@ -1523,8 +1695,15 @@
             </a:pPr>
             <a:fld id="{00000000-1234-1234-1234-123412341234}" type="slidenum">
               <a:rPr lang="en"/>
+              <a:pPr lvl="0">
+                <a:spcBef>
+                  <a:spcPts val="0"/>
+                </a:spcBef>
+                <a:buNone/>
+              </a:pPr>
               <a:t>‹#›</a:t>
             </a:fld>
+            <a:endParaRPr lang="en"/>
           </a:p>
         </p:txBody>
       </p:sp>
@@ -1537,11 +1716,11 @@
 </file>
 
 <file path=ppt/slideLayouts/slideLayout10.xml><?xml version="1.0" encoding="utf-8"?>
-<p:sldLayout xmlns:a="http://schemas.openxmlformats.org/drawingml/2006/main" xmlns:r="http://schemas.openxmlformats.org/officeDocument/2006/relationships" xmlns:mc="http://schemas.openxmlformats.org/markup-compatibility/2006" xmlns:mv="urn:schemas-microsoft-com:mac:vml" xmlns:p="http://schemas.openxmlformats.org/presentationml/2006/main" xmlns:c="http://schemas.openxmlformats.org/drawingml/2006/chart" xmlns:dgm="http://schemas.openxmlformats.org/drawingml/2006/diagram" xmlns:o="urn:schemas-microsoft-com:office:office" xmlns:v="urn:schemas-microsoft-com:vml" xmlns:pvml="urn:schemas-microsoft-com:office:powerpoint" xmlns:com="http://schemas.openxmlformats.org/drawingml/2006/compatibility" xmlns:p14="http://schemas.microsoft.com/office/powerpoint/2010/main">
+<p:sldLayout xmlns:a="http://schemas.openxmlformats.org/drawingml/2006/main" xmlns:r="http://schemas.openxmlformats.org/officeDocument/2006/relationships" xmlns:p="http://schemas.openxmlformats.org/presentationml/2006/main">
   <p:cSld name="Big number">
     <p:spTree>
       <p:nvGrpSpPr>
-        <p:cNvPr id="44" name="Shape 44"/>
+        <p:cNvPr id="1" name="Shape 44"/>
         <p:cNvGrpSpPr/>
         <p:nvPr/>
       </p:nvGrpSpPr>
@@ -1556,7 +1735,9 @@
       <p:sp>
         <p:nvSpPr>
           <p:cNvPr id="45" name="Shape 45"/>
-          <p:cNvSpPr txBox="1"/>
+          <p:cNvSpPr txBox="1">
+            <a:spLocks noGrp="1"/>
+          </p:cNvSpPr>
           <p:nvPr>
             <p:ph type="title"/>
           </p:nvPr>
@@ -1571,7 +1752,7 @@
           </a:prstGeom>
         </p:spPr>
         <p:txBody>
-          <a:bodyPr anchorCtr="0" anchor="b" bIns="91425" lIns="91425" rIns="91425" tIns="91425"/>
+          <a:bodyPr lIns="91425" tIns="91425" rIns="91425" bIns="91425" anchor="b" anchorCtr="0"/>
           <a:lstStyle>
             <a:lvl1pPr lvl="0" algn="ctr">
               <a:spcBef>
@@ -1637,15 +1818,19 @@
               <a:defRPr sz="12000"/>
             </a:lvl9pPr>
           </a:lstStyle>
-          <a:p/>
+          <a:p>
+            <a:endParaRPr/>
+          </a:p>
         </p:txBody>
       </p:sp>
       <p:sp>
         <p:nvSpPr>
           <p:cNvPr id="46" name="Shape 46"/>
-          <p:cNvSpPr txBox="1"/>
+          <p:cNvSpPr txBox="1">
+            <a:spLocks noGrp="1"/>
+          </p:cNvSpPr>
           <p:nvPr>
-            <p:ph idx="1" type="body"/>
+            <p:ph type="body" idx="1"/>
           </p:nvPr>
         </p:nvSpPr>
         <p:spPr>
@@ -1658,7 +1843,7 @@
           </a:prstGeom>
         </p:spPr>
         <p:txBody>
-          <a:bodyPr anchorCtr="0" anchor="t" bIns="91425" lIns="91425" rIns="91425" tIns="91425"/>
+          <a:bodyPr lIns="91425" tIns="91425" rIns="91425" bIns="91425" anchor="t" anchorCtr="0"/>
           <a:lstStyle>
             <a:lvl1pPr lvl="0" algn="ctr">
               <a:spcBef>
@@ -1715,15 +1900,19 @@
               <a:defRPr/>
             </a:lvl9pPr>
           </a:lstStyle>
-          <a:p/>
+          <a:p>
+            <a:endParaRPr/>
+          </a:p>
         </p:txBody>
       </p:sp>
       <p:sp>
         <p:nvSpPr>
           <p:cNvPr id="47" name="Shape 47"/>
-          <p:cNvSpPr txBox="1"/>
+          <p:cNvSpPr txBox="1">
+            <a:spLocks noGrp="1"/>
+          </p:cNvSpPr>
           <p:nvPr>
-            <p:ph idx="12" type="sldNum"/>
+            <p:ph type="sldNum" idx="12"/>
           </p:nvPr>
         </p:nvSpPr>
         <p:spPr>
@@ -1736,7 +1925,7 @@
           </a:prstGeom>
         </p:spPr>
         <p:txBody>
-          <a:bodyPr anchorCtr="0" anchor="ctr" bIns="91425" lIns="91425" rIns="91425" tIns="91425">
+          <a:bodyPr lIns="91425" tIns="91425" rIns="91425" bIns="91425" anchor="ctr" anchorCtr="0">
             <a:noAutofit/>
           </a:bodyPr>
           <a:lstStyle/>
@@ -1749,8 +1938,15 @@
             </a:pPr>
             <a:fld id="{00000000-1234-1234-1234-123412341234}" type="slidenum">
               <a:rPr lang="en"/>
+              <a:pPr lvl="0">
+                <a:spcBef>
+                  <a:spcPts val="0"/>
+                </a:spcBef>
+                <a:buNone/>
+              </a:pPr>
               <a:t>‹#›</a:t>
             </a:fld>
+            <a:endParaRPr lang="en"/>
           </a:p>
         </p:txBody>
       </p:sp>
@@ -1763,11 +1959,11 @@
 </file>
 
 <file path=ppt/slideLayouts/slideLayout11.xml><?xml version="1.0" encoding="utf-8"?>
-<p:sldLayout xmlns:a="http://schemas.openxmlformats.org/drawingml/2006/main" xmlns:r="http://schemas.openxmlformats.org/officeDocument/2006/relationships" xmlns:mc="http://schemas.openxmlformats.org/markup-compatibility/2006" xmlns:mv="urn:schemas-microsoft-com:mac:vml" xmlns:p="http://schemas.openxmlformats.org/presentationml/2006/main" xmlns:c="http://schemas.openxmlformats.org/drawingml/2006/chart" xmlns:dgm="http://schemas.openxmlformats.org/drawingml/2006/diagram" xmlns:o="urn:schemas-microsoft-com:office:office" xmlns:v="urn:schemas-microsoft-com:vml" xmlns:pvml="urn:schemas-microsoft-com:office:powerpoint" xmlns:com="http://schemas.openxmlformats.org/drawingml/2006/compatibility" xmlns:p14="http://schemas.microsoft.com/office/powerpoint/2010/main" type="blank">
+<p:sldLayout xmlns:a="http://schemas.openxmlformats.org/drawingml/2006/main" xmlns:r="http://schemas.openxmlformats.org/officeDocument/2006/relationships" xmlns:p="http://schemas.openxmlformats.org/presentationml/2006/main" type="blank">
   <p:cSld name="Blank">
     <p:spTree>
       <p:nvGrpSpPr>
-        <p:cNvPr id="48" name="Shape 48"/>
+        <p:cNvPr id="1" name="Shape 48"/>
         <p:cNvGrpSpPr/>
         <p:nvPr/>
       </p:nvGrpSpPr>
@@ -1782,9 +1978,11 @@
       <p:sp>
         <p:nvSpPr>
           <p:cNvPr id="49" name="Shape 49"/>
-          <p:cNvSpPr txBox="1"/>
+          <p:cNvSpPr txBox="1">
+            <a:spLocks noGrp="1"/>
+          </p:cNvSpPr>
           <p:nvPr>
-            <p:ph idx="12" type="sldNum"/>
+            <p:ph type="sldNum" idx="12"/>
           </p:nvPr>
         </p:nvSpPr>
         <p:spPr>
@@ -1797,7 +1995,7 @@
           </a:prstGeom>
         </p:spPr>
         <p:txBody>
-          <a:bodyPr anchorCtr="0" anchor="ctr" bIns="91425" lIns="91425" rIns="91425" tIns="91425">
+          <a:bodyPr lIns="91425" tIns="91425" rIns="91425" bIns="91425" anchor="ctr" anchorCtr="0">
             <a:noAutofit/>
           </a:bodyPr>
           <a:lstStyle/>
@@ -1810,8 +2008,15 @@
             </a:pPr>
             <a:fld id="{00000000-1234-1234-1234-123412341234}" type="slidenum">
               <a:rPr lang="en"/>
+              <a:pPr lvl="0">
+                <a:spcBef>
+                  <a:spcPts val="0"/>
+                </a:spcBef>
+                <a:buNone/>
+              </a:pPr>
               <a:t>‹#›</a:t>
             </a:fld>
+            <a:endParaRPr lang="en"/>
           </a:p>
         </p:txBody>
       </p:sp>
@@ -1824,11 +2029,11 @@
 </file>
 
 <file path=ppt/slideLayouts/slideLayout2.xml><?xml version="1.0" encoding="utf-8"?>
-<p:sldLayout xmlns:a="http://schemas.openxmlformats.org/drawingml/2006/main" xmlns:r="http://schemas.openxmlformats.org/officeDocument/2006/relationships" xmlns:mc="http://schemas.openxmlformats.org/markup-compatibility/2006" xmlns:mv="urn:schemas-microsoft-com:mac:vml" xmlns:p="http://schemas.openxmlformats.org/presentationml/2006/main" xmlns:c="http://schemas.openxmlformats.org/drawingml/2006/chart" xmlns:dgm="http://schemas.openxmlformats.org/drawingml/2006/diagram" xmlns:o="urn:schemas-microsoft-com:office:office" xmlns:v="urn:schemas-microsoft-com:vml" xmlns:pvml="urn:schemas-microsoft-com:office:powerpoint" xmlns:com="http://schemas.openxmlformats.org/drawingml/2006/compatibility" xmlns:p14="http://schemas.microsoft.com/office/powerpoint/2010/main" type="secHead">
+<p:sldLayout xmlns:a="http://schemas.openxmlformats.org/drawingml/2006/main" xmlns:r="http://schemas.openxmlformats.org/officeDocument/2006/relationships" xmlns:p="http://schemas.openxmlformats.org/presentationml/2006/main" type="secHead">
   <p:cSld name="Section header">
     <p:spTree>
       <p:nvGrpSpPr>
-        <p:cNvPr id="13" name="Shape 13"/>
+        <p:cNvPr id="1" name="Shape 13"/>
         <p:cNvGrpSpPr/>
         <p:nvPr/>
       </p:nvGrpSpPr>
@@ -1843,7 +2048,9 @@
       <p:sp>
         <p:nvSpPr>
           <p:cNvPr id="14" name="Shape 14"/>
-          <p:cNvSpPr txBox="1"/>
+          <p:cNvSpPr txBox="1">
+            <a:spLocks noGrp="1"/>
+          </p:cNvSpPr>
           <p:nvPr>
             <p:ph type="title"/>
           </p:nvPr>
@@ -1858,7 +2065,7 @@
           </a:prstGeom>
         </p:spPr>
         <p:txBody>
-          <a:bodyPr anchorCtr="0" anchor="ctr" bIns="91425" lIns="91425" rIns="91425" tIns="91425"/>
+          <a:bodyPr lIns="91425" tIns="91425" rIns="91425" bIns="91425" anchor="ctr" anchorCtr="0"/>
           <a:lstStyle>
             <a:lvl1pPr lvl="0" algn="ctr">
               <a:spcBef>
@@ -1924,15 +2131,19 @@
               <a:defRPr sz="3600"/>
             </a:lvl9pPr>
           </a:lstStyle>
-          <a:p/>
+          <a:p>
+            <a:endParaRPr/>
+          </a:p>
         </p:txBody>
       </p:sp>
       <p:sp>
         <p:nvSpPr>
           <p:cNvPr id="15" name="Shape 15"/>
-          <p:cNvSpPr txBox="1"/>
+          <p:cNvSpPr txBox="1">
+            <a:spLocks noGrp="1"/>
+          </p:cNvSpPr>
           <p:nvPr>
-            <p:ph idx="12" type="sldNum"/>
+            <p:ph type="sldNum" idx="12"/>
           </p:nvPr>
         </p:nvSpPr>
         <p:spPr>
@@ -1945,7 +2156,7 @@
           </a:prstGeom>
         </p:spPr>
         <p:txBody>
-          <a:bodyPr anchorCtr="0" anchor="ctr" bIns="91425" lIns="91425" rIns="91425" tIns="91425">
+          <a:bodyPr lIns="91425" tIns="91425" rIns="91425" bIns="91425" anchor="ctr" anchorCtr="0">
             <a:noAutofit/>
           </a:bodyPr>
           <a:lstStyle/>
@@ -1958,8 +2169,15 @@
             </a:pPr>
             <a:fld id="{00000000-1234-1234-1234-123412341234}" type="slidenum">
               <a:rPr lang="en"/>
+              <a:pPr lvl="0">
+                <a:spcBef>
+                  <a:spcPts val="0"/>
+                </a:spcBef>
+                <a:buNone/>
+              </a:pPr>
               <a:t>‹#›</a:t>
             </a:fld>
+            <a:endParaRPr lang="en"/>
           </a:p>
         </p:txBody>
       </p:sp>
@@ -1972,11 +2190,11 @@
 </file>
 
 <file path=ppt/slideLayouts/slideLayout3.xml><?xml version="1.0" encoding="utf-8"?>
-<p:sldLayout xmlns:a="http://schemas.openxmlformats.org/drawingml/2006/main" xmlns:r="http://schemas.openxmlformats.org/officeDocument/2006/relationships" xmlns:mc="http://schemas.openxmlformats.org/markup-compatibility/2006" xmlns:mv="urn:schemas-microsoft-com:mac:vml" xmlns:p="http://schemas.openxmlformats.org/presentationml/2006/main" xmlns:c="http://schemas.openxmlformats.org/drawingml/2006/chart" xmlns:dgm="http://schemas.openxmlformats.org/drawingml/2006/diagram" xmlns:o="urn:schemas-microsoft-com:office:office" xmlns:v="urn:schemas-microsoft-com:vml" xmlns:pvml="urn:schemas-microsoft-com:office:powerpoint" xmlns:com="http://schemas.openxmlformats.org/drawingml/2006/compatibility" xmlns:p14="http://schemas.microsoft.com/office/powerpoint/2010/main" type="tx">
+<p:sldLayout xmlns:a="http://schemas.openxmlformats.org/drawingml/2006/main" xmlns:r="http://schemas.openxmlformats.org/officeDocument/2006/relationships" xmlns:p="http://schemas.openxmlformats.org/presentationml/2006/main" type="tx">
   <p:cSld name="Title and body">
     <p:spTree>
       <p:nvGrpSpPr>
-        <p:cNvPr id="16" name="Shape 16"/>
+        <p:cNvPr id="1" name="Shape 16"/>
         <p:cNvGrpSpPr/>
         <p:nvPr/>
       </p:nvGrpSpPr>
@@ -1991,7 +2209,9 @@
       <p:sp>
         <p:nvSpPr>
           <p:cNvPr id="17" name="Shape 17"/>
-          <p:cNvSpPr txBox="1"/>
+          <p:cNvSpPr txBox="1">
+            <a:spLocks noGrp="1"/>
+          </p:cNvSpPr>
           <p:nvPr>
             <p:ph type="title"/>
           </p:nvPr>
@@ -2006,7 +2226,7 @@
           </a:prstGeom>
         </p:spPr>
         <p:txBody>
-          <a:bodyPr anchorCtr="0" anchor="t" bIns="91425" lIns="91425" rIns="91425" tIns="91425"/>
+          <a:bodyPr lIns="91425" tIns="91425" rIns="91425" bIns="91425" anchor="t" anchorCtr="0"/>
           <a:lstStyle>
             <a:lvl1pPr lvl="0">
               <a:spcBef>
@@ -2063,15 +2283,19 @@
               <a:defRPr/>
             </a:lvl9pPr>
           </a:lstStyle>
-          <a:p/>
+          <a:p>
+            <a:endParaRPr/>
+          </a:p>
         </p:txBody>
       </p:sp>
       <p:sp>
         <p:nvSpPr>
           <p:cNvPr id="18" name="Shape 18"/>
-          <p:cNvSpPr txBox="1"/>
+          <p:cNvSpPr txBox="1">
+            <a:spLocks noGrp="1"/>
+          </p:cNvSpPr>
           <p:nvPr>
-            <p:ph idx="1" type="body"/>
+            <p:ph type="body" idx="1"/>
           </p:nvPr>
         </p:nvSpPr>
         <p:spPr>
@@ -2084,7 +2308,7 @@
           </a:prstGeom>
         </p:spPr>
         <p:txBody>
-          <a:bodyPr anchorCtr="0" anchor="t" bIns="91425" lIns="91425" rIns="91425" tIns="91425"/>
+          <a:bodyPr lIns="91425" tIns="91425" rIns="91425" bIns="91425" anchor="t" anchorCtr="0"/>
           <a:lstStyle>
             <a:lvl1pPr lvl="0">
               <a:spcBef>
@@ -2141,15 +2365,19 @@
               <a:defRPr/>
             </a:lvl9pPr>
           </a:lstStyle>
-          <a:p/>
+          <a:p>
+            <a:endParaRPr/>
+          </a:p>
         </p:txBody>
       </p:sp>
       <p:sp>
         <p:nvSpPr>
           <p:cNvPr id="19" name="Shape 19"/>
-          <p:cNvSpPr txBox="1"/>
+          <p:cNvSpPr txBox="1">
+            <a:spLocks noGrp="1"/>
+          </p:cNvSpPr>
           <p:nvPr>
-            <p:ph idx="12" type="sldNum"/>
+            <p:ph type="sldNum" idx="12"/>
           </p:nvPr>
         </p:nvSpPr>
         <p:spPr>
@@ -2162,7 +2390,7 @@
           </a:prstGeom>
         </p:spPr>
         <p:txBody>
-          <a:bodyPr anchorCtr="0" anchor="ctr" bIns="91425" lIns="91425" rIns="91425" tIns="91425">
+          <a:bodyPr lIns="91425" tIns="91425" rIns="91425" bIns="91425" anchor="ctr" anchorCtr="0">
             <a:noAutofit/>
           </a:bodyPr>
           <a:lstStyle/>
@@ -2175,8 +2403,15 @@
             </a:pPr>
             <a:fld id="{00000000-1234-1234-1234-123412341234}" type="slidenum">
               <a:rPr lang="en"/>
+              <a:pPr lvl="0">
+                <a:spcBef>
+                  <a:spcPts val="0"/>
+                </a:spcBef>
+                <a:buNone/>
+              </a:pPr>
               <a:t>‹#›</a:t>
             </a:fld>
+            <a:endParaRPr lang="en"/>
           </a:p>
         </p:txBody>
       </p:sp>
@@ -2189,11 +2424,11 @@
 </file>
 
 <file path=ppt/slideLayouts/slideLayout4.xml><?xml version="1.0" encoding="utf-8"?>
-<p:sldLayout xmlns:a="http://schemas.openxmlformats.org/drawingml/2006/main" xmlns:r="http://schemas.openxmlformats.org/officeDocument/2006/relationships" xmlns:mc="http://schemas.openxmlformats.org/markup-compatibility/2006" xmlns:mv="urn:schemas-microsoft-com:mac:vml" xmlns:p="http://schemas.openxmlformats.org/presentationml/2006/main" xmlns:c="http://schemas.openxmlformats.org/drawingml/2006/chart" xmlns:dgm="http://schemas.openxmlformats.org/drawingml/2006/diagram" xmlns:o="urn:schemas-microsoft-com:office:office" xmlns:v="urn:schemas-microsoft-com:vml" xmlns:pvml="urn:schemas-microsoft-com:office:powerpoint" xmlns:com="http://schemas.openxmlformats.org/drawingml/2006/compatibility" xmlns:p14="http://schemas.microsoft.com/office/powerpoint/2010/main" type="twoColTx">
+<p:sldLayout xmlns:a="http://schemas.openxmlformats.org/drawingml/2006/main" xmlns:r="http://schemas.openxmlformats.org/officeDocument/2006/relationships" xmlns:p="http://schemas.openxmlformats.org/presentationml/2006/main" type="twoColTx">
   <p:cSld name="Title and two columns">
     <p:spTree>
       <p:nvGrpSpPr>
-        <p:cNvPr id="20" name="Shape 20"/>
+        <p:cNvPr id="1" name="Shape 20"/>
         <p:cNvGrpSpPr/>
         <p:nvPr/>
       </p:nvGrpSpPr>
@@ -2208,7 +2443,9 @@
       <p:sp>
         <p:nvSpPr>
           <p:cNvPr id="21" name="Shape 21"/>
-          <p:cNvSpPr txBox="1"/>
+          <p:cNvSpPr txBox="1">
+            <a:spLocks noGrp="1"/>
+          </p:cNvSpPr>
           <p:nvPr>
             <p:ph type="title"/>
           </p:nvPr>
@@ -2223,7 +2460,7 @@
           </a:prstGeom>
         </p:spPr>
         <p:txBody>
-          <a:bodyPr anchorCtr="0" anchor="t" bIns="91425" lIns="91425" rIns="91425" tIns="91425"/>
+          <a:bodyPr lIns="91425" tIns="91425" rIns="91425" bIns="91425" anchor="t" anchorCtr="0"/>
           <a:lstStyle>
             <a:lvl1pPr lvl="0">
               <a:spcBef>
@@ -2280,15 +2517,19 @@
               <a:defRPr/>
             </a:lvl9pPr>
           </a:lstStyle>
-          <a:p/>
+          <a:p>
+            <a:endParaRPr/>
+          </a:p>
         </p:txBody>
       </p:sp>
       <p:sp>
         <p:nvSpPr>
           <p:cNvPr id="22" name="Shape 22"/>
-          <p:cNvSpPr txBox="1"/>
+          <p:cNvSpPr txBox="1">
+            <a:spLocks noGrp="1"/>
+          </p:cNvSpPr>
           <p:nvPr>
-            <p:ph idx="1" type="body"/>
+            <p:ph type="body" idx="1"/>
           </p:nvPr>
         </p:nvSpPr>
         <p:spPr>
@@ -2301,7 +2542,7 @@
           </a:prstGeom>
         </p:spPr>
         <p:txBody>
-          <a:bodyPr anchorCtr="0" anchor="t" bIns="91425" lIns="91425" rIns="91425" tIns="91425"/>
+          <a:bodyPr lIns="91425" tIns="91425" rIns="91425" bIns="91425" anchor="t" anchorCtr="0"/>
           <a:lstStyle>
             <a:lvl1pPr lvl="0">
               <a:spcBef>
@@ -2367,15 +2608,19 @@
               <a:defRPr sz="1200"/>
             </a:lvl9pPr>
           </a:lstStyle>
-          <a:p/>
+          <a:p>
+            <a:endParaRPr/>
+          </a:p>
         </p:txBody>
       </p:sp>
       <p:sp>
         <p:nvSpPr>
           <p:cNvPr id="23" name="Shape 23"/>
-          <p:cNvSpPr txBox="1"/>
+          <p:cNvSpPr txBox="1">
+            <a:spLocks noGrp="1"/>
+          </p:cNvSpPr>
           <p:nvPr>
-            <p:ph idx="2" type="body"/>
+            <p:ph type="body" idx="2"/>
           </p:nvPr>
         </p:nvSpPr>
         <p:spPr>
@@ -2388,7 +2633,7 @@
           </a:prstGeom>
         </p:spPr>
         <p:txBody>
-          <a:bodyPr anchorCtr="0" anchor="t" bIns="91425" lIns="91425" rIns="91425" tIns="91425"/>
+          <a:bodyPr lIns="91425" tIns="91425" rIns="91425" bIns="91425" anchor="t" anchorCtr="0"/>
           <a:lstStyle>
             <a:lvl1pPr lvl="0">
               <a:spcBef>
@@ -2454,15 +2699,19 @@
               <a:defRPr sz="1200"/>
             </a:lvl9pPr>
           </a:lstStyle>
-          <a:p/>
+          <a:p>
+            <a:endParaRPr/>
+          </a:p>
         </p:txBody>
       </p:sp>
       <p:sp>
         <p:nvSpPr>
           <p:cNvPr id="24" name="Shape 24"/>
-          <p:cNvSpPr txBox="1"/>
+          <p:cNvSpPr txBox="1">
+            <a:spLocks noGrp="1"/>
+          </p:cNvSpPr>
           <p:nvPr>
-            <p:ph idx="12" type="sldNum"/>
+            <p:ph type="sldNum" idx="12"/>
           </p:nvPr>
         </p:nvSpPr>
         <p:spPr>
@@ -2475,7 +2724,7 @@
           </a:prstGeom>
         </p:spPr>
         <p:txBody>
-          <a:bodyPr anchorCtr="0" anchor="ctr" bIns="91425" lIns="91425" rIns="91425" tIns="91425">
+          <a:bodyPr lIns="91425" tIns="91425" rIns="91425" bIns="91425" anchor="ctr" anchorCtr="0">
             <a:noAutofit/>
           </a:bodyPr>
           <a:lstStyle/>
@@ -2488,8 +2737,15 @@
             </a:pPr>
             <a:fld id="{00000000-1234-1234-1234-123412341234}" type="slidenum">
               <a:rPr lang="en"/>
+              <a:pPr lvl="0">
+                <a:spcBef>
+                  <a:spcPts val="0"/>
+                </a:spcBef>
+                <a:buNone/>
+              </a:pPr>
               <a:t>‹#›</a:t>
             </a:fld>
+            <a:endParaRPr lang="en"/>
           </a:p>
         </p:txBody>
       </p:sp>
@@ -2502,11 +2758,11 @@
 </file>
 
 <file path=ppt/slideLayouts/slideLayout5.xml><?xml version="1.0" encoding="utf-8"?>
-<p:sldLayout xmlns:a="http://schemas.openxmlformats.org/drawingml/2006/main" xmlns:r="http://schemas.openxmlformats.org/officeDocument/2006/relationships" xmlns:mc="http://schemas.openxmlformats.org/markup-compatibility/2006" xmlns:mv="urn:schemas-microsoft-com:mac:vml" xmlns:p="http://schemas.openxmlformats.org/presentationml/2006/main" xmlns:c="http://schemas.openxmlformats.org/drawingml/2006/chart" xmlns:dgm="http://schemas.openxmlformats.org/drawingml/2006/diagram" xmlns:o="urn:schemas-microsoft-com:office:office" xmlns:v="urn:schemas-microsoft-com:vml" xmlns:pvml="urn:schemas-microsoft-com:office:powerpoint" xmlns:com="http://schemas.openxmlformats.org/drawingml/2006/compatibility" xmlns:p14="http://schemas.microsoft.com/office/powerpoint/2010/main" type="titleOnly">
+<p:sldLayout xmlns:a="http://schemas.openxmlformats.org/drawingml/2006/main" xmlns:r="http://schemas.openxmlformats.org/officeDocument/2006/relationships" xmlns:p="http://schemas.openxmlformats.org/presentationml/2006/main" type="titleOnly">
   <p:cSld name="Title only">
     <p:spTree>
       <p:nvGrpSpPr>
-        <p:cNvPr id="25" name="Shape 25"/>
+        <p:cNvPr id="1" name="Shape 25"/>
         <p:cNvGrpSpPr/>
         <p:nvPr/>
       </p:nvGrpSpPr>
@@ -2521,7 +2777,9 @@
       <p:sp>
         <p:nvSpPr>
           <p:cNvPr id="26" name="Shape 26"/>
-          <p:cNvSpPr txBox="1"/>
+          <p:cNvSpPr txBox="1">
+            <a:spLocks noGrp="1"/>
+          </p:cNvSpPr>
           <p:nvPr>
             <p:ph type="title"/>
           </p:nvPr>
@@ -2536,7 +2794,7 @@
           </a:prstGeom>
         </p:spPr>
         <p:txBody>
-          <a:bodyPr anchorCtr="0" anchor="t" bIns="91425" lIns="91425" rIns="91425" tIns="91425"/>
+          <a:bodyPr lIns="91425" tIns="91425" rIns="91425" bIns="91425" anchor="t" anchorCtr="0"/>
           <a:lstStyle>
             <a:lvl1pPr lvl="0">
               <a:spcBef>
@@ -2593,15 +2851,19 @@
               <a:defRPr/>
             </a:lvl9pPr>
           </a:lstStyle>
-          <a:p/>
+          <a:p>
+            <a:endParaRPr/>
+          </a:p>
         </p:txBody>
       </p:sp>
       <p:sp>
         <p:nvSpPr>
           <p:cNvPr id="27" name="Shape 27"/>
-          <p:cNvSpPr txBox="1"/>
+          <p:cNvSpPr txBox="1">
+            <a:spLocks noGrp="1"/>
+          </p:cNvSpPr>
           <p:nvPr>
-            <p:ph idx="12" type="sldNum"/>
+            <p:ph type="sldNum" idx="12"/>
           </p:nvPr>
         </p:nvSpPr>
         <p:spPr>
@@ -2614,7 +2876,7 @@
           </a:prstGeom>
         </p:spPr>
         <p:txBody>
-          <a:bodyPr anchorCtr="0" anchor="ctr" bIns="91425" lIns="91425" rIns="91425" tIns="91425">
+          <a:bodyPr lIns="91425" tIns="91425" rIns="91425" bIns="91425" anchor="ctr" anchorCtr="0">
             <a:noAutofit/>
           </a:bodyPr>
           <a:lstStyle/>
@@ -2627,8 +2889,15 @@
             </a:pPr>
             <a:fld id="{00000000-1234-1234-1234-123412341234}" type="slidenum">
               <a:rPr lang="en"/>
+              <a:pPr lvl="0">
+                <a:spcBef>
+                  <a:spcPts val="0"/>
+                </a:spcBef>
+                <a:buNone/>
+              </a:pPr>
               <a:t>‹#›</a:t>
             </a:fld>
+            <a:endParaRPr lang="en"/>
           </a:p>
         </p:txBody>
       </p:sp>
@@ -2641,11 +2910,11 @@
 </file>
 
 <file path=ppt/slideLayouts/slideLayout6.xml><?xml version="1.0" encoding="utf-8"?>
-<p:sldLayout xmlns:a="http://schemas.openxmlformats.org/drawingml/2006/main" xmlns:r="http://schemas.openxmlformats.org/officeDocument/2006/relationships" xmlns:mc="http://schemas.openxmlformats.org/markup-compatibility/2006" xmlns:mv="urn:schemas-microsoft-com:mac:vml" xmlns:p="http://schemas.openxmlformats.org/presentationml/2006/main" xmlns:c="http://schemas.openxmlformats.org/drawingml/2006/chart" xmlns:dgm="http://schemas.openxmlformats.org/drawingml/2006/diagram" xmlns:o="urn:schemas-microsoft-com:office:office" xmlns:v="urn:schemas-microsoft-com:vml" xmlns:pvml="urn:schemas-microsoft-com:office:powerpoint" xmlns:com="http://schemas.openxmlformats.org/drawingml/2006/compatibility" xmlns:p14="http://schemas.microsoft.com/office/powerpoint/2010/main">
+<p:sldLayout xmlns:a="http://schemas.openxmlformats.org/drawingml/2006/main" xmlns:r="http://schemas.openxmlformats.org/officeDocument/2006/relationships" xmlns:p="http://schemas.openxmlformats.org/presentationml/2006/main">
   <p:cSld name="One column text">
     <p:spTree>
       <p:nvGrpSpPr>
-        <p:cNvPr id="28" name="Shape 28"/>
+        <p:cNvPr id="1" name="Shape 28"/>
         <p:cNvGrpSpPr/>
         <p:nvPr/>
       </p:nvGrpSpPr>
@@ -2660,7 +2929,9 @@
       <p:sp>
         <p:nvSpPr>
           <p:cNvPr id="29" name="Shape 29"/>
-          <p:cNvSpPr txBox="1"/>
+          <p:cNvSpPr txBox="1">
+            <a:spLocks noGrp="1"/>
+          </p:cNvSpPr>
           <p:nvPr>
             <p:ph type="title"/>
           </p:nvPr>
@@ -2675,7 +2946,7 @@
           </a:prstGeom>
         </p:spPr>
         <p:txBody>
-          <a:bodyPr anchorCtr="0" anchor="b" bIns="91425" lIns="91425" rIns="91425" tIns="91425"/>
+          <a:bodyPr lIns="91425" tIns="91425" rIns="91425" bIns="91425" anchor="b" anchorCtr="0"/>
           <a:lstStyle>
             <a:lvl1pPr lvl="0">
               <a:spcBef>
@@ -2741,15 +3012,19 @@
               <a:defRPr sz="2400"/>
             </a:lvl9pPr>
           </a:lstStyle>
-          <a:p/>
+          <a:p>
+            <a:endParaRPr/>
+          </a:p>
         </p:txBody>
       </p:sp>
       <p:sp>
         <p:nvSpPr>
           <p:cNvPr id="30" name="Shape 30"/>
-          <p:cNvSpPr txBox="1"/>
+          <p:cNvSpPr txBox="1">
+            <a:spLocks noGrp="1"/>
+          </p:cNvSpPr>
           <p:nvPr>
-            <p:ph idx="1" type="body"/>
+            <p:ph type="body" idx="1"/>
           </p:nvPr>
         </p:nvSpPr>
         <p:spPr>
@@ -2762,7 +3037,7 @@
           </a:prstGeom>
         </p:spPr>
         <p:txBody>
-          <a:bodyPr anchorCtr="0" anchor="t" bIns="91425" lIns="91425" rIns="91425" tIns="91425"/>
+          <a:bodyPr lIns="91425" tIns="91425" rIns="91425" bIns="91425" anchor="t" anchorCtr="0"/>
           <a:lstStyle>
             <a:lvl1pPr lvl="0">
               <a:spcBef>
@@ -2828,15 +3103,19 @@
               <a:defRPr sz="1200"/>
             </a:lvl9pPr>
           </a:lstStyle>
-          <a:p/>
+          <a:p>
+            <a:endParaRPr/>
+          </a:p>
         </p:txBody>
       </p:sp>
       <p:sp>
         <p:nvSpPr>
           <p:cNvPr id="31" name="Shape 31"/>
-          <p:cNvSpPr txBox="1"/>
+          <p:cNvSpPr txBox="1">
+            <a:spLocks noGrp="1"/>
+          </p:cNvSpPr>
           <p:nvPr>
-            <p:ph idx="12" type="sldNum"/>
+            <p:ph type="sldNum" idx="12"/>
           </p:nvPr>
         </p:nvSpPr>
         <p:spPr>
@@ -2849,7 +3128,7 @@
           </a:prstGeom>
         </p:spPr>
         <p:txBody>
-          <a:bodyPr anchorCtr="0" anchor="ctr" bIns="91425" lIns="91425" rIns="91425" tIns="91425">
+          <a:bodyPr lIns="91425" tIns="91425" rIns="91425" bIns="91425" anchor="ctr" anchorCtr="0">
             <a:noAutofit/>
           </a:bodyPr>
           <a:lstStyle/>
@@ -2862,8 +3141,15 @@
             </a:pPr>
             <a:fld id="{00000000-1234-1234-1234-123412341234}" type="slidenum">
               <a:rPr lang="en"/>
+              <a:pPr lvl="0">
+                <a:spcBef>
+                  <a:spcPts val="0"/>
+                </a:spcBef>
+                <a:buNone/>
+              </a:pPr>
               <a:t>‹#›</a:t>
             </a:fld>
+            <a:endParaRPr lang="en"/>
           </a:p>
         </p:txBody>
       </p:sp>
@@ -2876,11 +3162,11 @@
 </file>
 
 <file path=ppt/slideLayouts/slideLayout7.xml><?xml version="1.0" encoding="utf-8"?>
-<p:sldLayout xmlns:a="http://schemas.openxmlformats.org/drawingml/2006/main" xmlns:r="http://schemas.openxmlformats.org/officeDocument/2006/relationships" xmlns:mc="http://schemas.openxmlformats.org/markup-compatibility/2006" xmlns:mv="urn:schemas-microsoft-com:mac:vml" xmlns:p="http://schemas.openxmlformats.org/presentationml/2006/main" xmlns:c="http://schemas.openxmlformats.org/drawingml/2006/chart" xmlns:dgm="http://schemas.openxmlformats.org/drawingml/2006/diagram" xmlns:o="urn:schemas-microsoft-com:office:office" xmlns:v="urn:schemas-microsoft-com:vml" xmlns:pvml="urn:schemas-microsoft-com:office:powerpoint" xmlns:com="http://schemas.openxmlformats.org/drawingml/2006/compatibility" xmlns:p14="http://schemas.microsoft.com/office/powerpoint/2010/main">
+<p:sldLayout xmlns:a="http://schemas.openxmlformats.org/drawingml/2006/main" xmlns:r="http://schemas.openxmlformats.org/officeDocument/2006/relationships" xmlns:p="http://schemas.openxmlformats.org/presentationml/2006/main">
   <p:cSld name="Main point">
     <p:spTree>
       <p:nvGrpSpPr>
-        <p:cNvPr id="32" name="Shape 32"/>
+        <p:cNvPr id="1" name="Shape 32"/>
         <p:cNvGrpSpPr/>
         <p:nvPr/>
       </p:nvGrpSpPr>
@@ -2895,7 +3181,9 @@
       <p:sp>
         <p:nvSpPr>
           <p:cNvPr id="33" name="Shape 33"/>
-          <p:cNvSpPr txBox="1"/>
+          <p:cNvSpPr txBox="1">
+            <a:spLocks noGrp="1"/>
+          </p:cNvSpPr>
           <p:nvPr>
             <p:ph type="title"/>
           </p:nvPr>
@@ -2910,7 +3198,7 @@
           </a:prstGeom>
         </p:spPr>
         <p:txBody>
-          <a:bodyPr anchorCtr="0" anchor="ctr" bIns="91425" lIns="91425" rIns="91425" tIns="91425"/>
+          <a:bodyPr lIns="91425" tIns="91425" rIns="91425" bIns="91425" anchor="ctr" anchorCtr="0"/>
           <a:lstStyle>
             <a:lvl1pPr lvl="0">
               <a:spcBef>
@@ -2976,15 +3264,19 @@
               <a:defRPr sz="4800"/>
             </a:lvl9pPr>
           </a:lstStyle>
-          <a:p/>
+          <a:p>
+            <a:endParaRPr/>
+          </a:p>
         </p:txBody>
       </p:sp>
       <p:sp>
         <p:nvSpPr>
           <p:cNvPr id="34" name="Shape 34"/>
-          <p:cNvSpPr txBox="1"/>
+          <p:cNvSpPr txBox="1">
+            <a:spLocks noGrp="1"/>
+          </p:cNvSpPr>
           <p:nvPr>
-            <p:ph idx="12" type="sldNum"/>
+            <p:ph type="sldNum" idx="12"/>
           </p:nvPr>
         </p:nvSpPr>
         <p:spPr>
@@ -2997,7 +3289,7 @@
           </a:prstGeom>
         </p:spPr>
         <p:txBody>
-          <a:bodyPr anchorCtr="0" anchor="ctr" bIns="91425" lIns="91425" rIns="91425" tIns="91425">
+          <a:bodyPr lIns="91425" tIns="91425" rIns="91425" bIns="91425" anchor="ctr" anchorCtr="0">
             <a:noAutofit/>
           </a:bodyPr>
           <a:lstStyle/>
@@ -3010,8 +3302,15 @@
             </a:pPr>
             <a:fld id="{00000000-1234-1234-1234-123412341234}" type="slidenum">
               <a:rPr lang="en"/>
+              <a:pPr lvl="0">
+                <a:spcBef>
+                  <a:spcPts val="0"/>
+                </a:spcBef>
+                <a:buNone/>
+              </a:pPr>
               <a:t>‹#›</a:t>
             </a:fld>
+            <a:endParaRPr lang="en"/>
           </a:p>
         </p:txBody>
       </p:sp>
@@ -3024,11 +3323,11 @@
 </file>
 
 <file path=ppt/slideLayouts/slideLayout8.xml><?xml version="1.0" encoding="utf-8"?>
-<p:sldLayout xmlns:a="http://schemas.openxmlformats.org/drawingml/2006/main" xmlns:r="http://schemas.openxmlformats.org/officeDocument/2006/relationships" xmlns:mc="http://schemas.openxmlformats.org/markup-compatibility/2006" xmlns:mv="urn:schemas-microsoft-com:mac:vml" xmlns:p="http://schemas.openxmlformats.org/presentationml/2006/main" xmlns:c="http://schemas.openxmlformats.org/drawingml/2006/chart" xmlns:dgm="http://schemas.openxmlformats.org/drawingml/2006/diagram" xmlns:o="urn:schemas-microsoft-com:office:office" xmlns:v="urn:schemas-microsoft-com:vml" xmlns:pvml="urn:schemas-microsoft-com:office:powerpoint" xmlns:com="http://schemas.openxmlformats.org/drawingml/2006/compatibility" xmlns:p14="http://schemas.microsoft.com/office/powerpoint/2010/main">
+<p:sldLayout xmlns:a="http://schemas.openxmlformats.org/drawingml/2006/main" xmlns:r="http://schemas.openxmlformats.org/officeDocument/2006/relationships" xmlns:p="http://schemas.openxmlformats.org/presentationml/2006/main">
   <p:cSld name="Section title and description">
     <p:spTree>
       <p:nvGrpSpPr>
-        <p:cNvPr id="35" name="Shape 35"/>
+        <p:cNvPr id="1" name="Shape 35"/>
         <p:cNvGrpSpPr/>
         <p:nvPr/>
       </p:nvGrpSpPr>
@@ -3062,7 +3361,7 @@
           </a:ln>
         </p:spPr>
         <p:txBody>
-          <a:bodyPr anchorCtr="0" anchor="ctr" bIns="91425" lIns="91425" rIns="91425" tIns="91425">
+          <a:bodyPr lIns="91425" tIns="91425" rIns="91425" bIns="91425" anchor="ctr" anchorCtr="0">
             <a:noAutofit/>
           </a:bodyPr>
           <a:lstStyle/>
@@ -3073,9 +3372,6 @@
               </a:spcBef>
               <a:buNone/>
             </a:pPr>
-            <a:r>
-              <a:t/>
-            </a:r>
             <a:endParaRPr/>
           </a:p>
         </p:txBody>
@@ -3083,7 +3379,9 @@
       <p:sp>
         <p:nvSpPr>
           <p:cNvPr id="37" name="Shape 37"/>
-          <p:cNvSpPr txBox="1"/>
+          <p:cNvSpPr txBox="1">
+            <a:spLocks noGrp="1"/>
+          </p:cNvSpPr>
           <p:nvPr>
             <p:ph type="title"/>
           </p:nvPr>
@@ -3098,7 +3396,7 @@
           </a:prstGeom>
         </p:spPr>
         <p:txBody>
-          <a:bodyPr anchorCtr="0" anchor="b" bIns="91425" lIns="91425" rIns="91425" tIns="91425"/>
+          <a:bodyPr lIns="91425" tIns="91425" rIns="91425" bIns="91425" anchor="b" anchorCtr="0"/>
           <a:lstStyle>
             <a:lvl1pPr lvl="0" algn="ctr">
               <a:spcBef>
@@ -3164,15 +3462,19 @@
               <a:defRPr sz="4200"/>
             </a:lvl9pPr>
           </a:lstStyle>
-          <a:p/>
+          <a:p>
+            <a:endParaRPr/>
+          </a:p>
         </p:txBody>
       </p:sp>
       <p:sp>
         <p:nvSpPr>
           <p:cNvPr id="38" name="Shape 38"/>
-          <p:cNvSpPr txBox="1"/>
+          <p:cNvSpPr txBox="1">
+            <a:spLocks noGrp="1"/>
+          </p:cNvSpPr>
           <p:nvPr>
-            <p:ph idx="1" type="subTitle"/>
+            <p:ph type="subTitle" idx="1"/>
           </p:nvPr>
         </p:nvSpPr>
         <p:spPr>
@@ -3185,7 +3487,7 @@
           </a:prstGeom>
         </p:spPr>
         <p:txBody>
-          <a:bodyPr anchorCtr="0" anchor="t" bIns="91425" lIns="91425" rIns="91425" tIns="91425"/>
+          <a:bodyPr lIns="91425" tIns="91425" rIns="91425" bIns="91425" anchor="t" anchorCtr="0"/>
           <a:lstStyle>
             <a:lvl1pPr lvl="0" algn="ctr">
               <a:lnSpc>
@@ -3314,15 +3616,19 @@
               <a:defRPr sz="2100"/>
             </a:lvl9pPr>
           </a:lstStyle>
-          <a:p/>
+          <a:p>
+            <a:endParaRPr/>
+          </a:p>
         </p:txBody>
       </p:sp>
       <p:sp>
         <p:nvSpPr>
           <p:cNvPr id="39" name="Shape 39"/>
-          <p:cNvSpPr txBox="1"/>
+          <p:cNvSpPr txBox="1">
+            <a:spLocks noGrp="1"/>
+          </p:cNvSpPr>
           <p:nvPr>
-            <p:ph idx="2" type="body"/>
+            <p:ph type="body" idx="2"/>
           </p:nvPr>
         </p:nvSpPr>
         <p:spPr>
@@ -3335,7 +3641,7 @@
           </a:prstGeom>
         </p:spPr>
         <p:txBody>
-          <a:bodyPr anchorCtr="0" anchor="ctr" bIns="91425" lIns="91425" rIns="91425" tIns="91425"/>
+          <a:bodyPr lIns="91425" tIns="91425" rIns="91425" bIns="91425" anchor="ctr" anchorCtr="0"/>
           <a:lstStyle>
             <a:lvl1pPr lvl="0">
               <a:spcBef>
@@ -3455,15 +3761,19 @@
               </a:defRPr>
             </a:lvl9pPr>
           </a:lstStyle>
-          <a:p/>
+          <a:p>
+            <a:endParaRPr/>
+          </a:p>
         </p:txBody>
       </p:sp>
       <p:sp>
         <p:nvSpPr>
           <p:cNvPr id="40" name="Shape 40"/>
-          <p:cNvSpPr txBox="1"/>
+          <p:cNvSpPr txBox="1">
+            <a:spLocks noGrp="1"/>
+          </p:cNvSpPr>
           <p:nvPr>
-            <p:ph idx="12" type="sldNum"/>
+            <p:ph type="sldNum" idx="12"/>
           </p:nvPr>
         </p:nvSpPr>
         <p:spPr>
@@ -3476,7 +3786,7 @@
           </a:prstGeom>
         </p:spPr>
         <p:txBody>
-          <a:bodyPr anchorCtr="0" anchor="ctr" bIns="91425" lIns="91425" rIns="91425" tIns="91425">
+          <a:bodyPr lIns="91425" tIns="91425" rIns="91425" bIns="91425" anchor="ctr" anchorCtr="0">
             <a:noAutofit/>
           </a:bodyPr>
           <a:lstStyle/>
@@ -3489,8 +3799,15 @@
             </a:pPr>
             <a:fld id="{00000000-1234-1234-1234-123412341234}" type="slidenum">
               <a:rPr lang="en"/>
+              <a:pPr lvl="0">
+                <a:spcBef>
+                  <a:spcPts val="0"/>
+                </a:spcBef>
+                <a:buNone/>
+              </a:pPr>
               <a:t>‹#›</a:t>
             </a:fld>
+            <a:endParaRPr lang="en"/>
           </a:p>
         </p:txBody>
       </p:sp>
@@ -3503,11 +3820,11 @@
 </file>
 
 <file path=ppt/slideLayouts/slideLayout9.xml><?xml version="1.0" encoding="utf-8"?>
-<p:sldLayout xmlns:a="http://schemas.openxmlformats.org/drawingml/2006/main" xmlns:r="http://schemas.openxmlformats.org/officeDocument/2006/relationships" xmlns:mc="http://schemas.openxmlformats.org/markup-compatibility/2006" xmlns:mv="urn:schemas-microsoft-com:mac:vml" xmlns:p="http://schemas.openxmlformats.org/presentationml/2006/main" xmlns:c="http://schemas.openxmlformats.org/drawingml/2006/chart" xmlns:dgm="http://schemas.openxmlformats.org/drawingml/2006/diagram" xmlns:o="urn:schemas-microsoft-com:office:office" xmlns:v="urn:schemas-microsoft-com:vml" xmlns:pvml="urn:schemas-microsoft-com:office:powerpoint" xmlns:com="http://schemas.openxmlformats.org/drawingml/2006/compatibility" xmlns:p14="http://schemas.microsoft.com/office/powerpoint/2010/main">
+<p:sldLayout xmlns:a="http://schemas.openxmlformats.org/drawingml/2006/main" xmlns:r="http://schemas.openxmlformats.org/officeDocument/2006/relationships" xmlns:p="http://schemas.openxmlformats.org/presentationml/2006/main">
   <p:cSld name="Caption">
     <p:spTree>
       <p:nvGrpSpPr>
-        <p:cNvPr id="41" name="Shape 41"/>
+        <p:cNvPr id="1" name="Shape 41"/>
         <p:cNvGrpSpPr/>
         <p:nvPr/>
       </p:nvGrpSpPr>
@@ -3522,9 +3839,11 @@
       <p:sp>
         <p:nvSpPr>
           <p:cNvPr id="42" name="Shape 42"/>
-          <p:cNvSpPr txBox="1"/>
+          <p:cNvSpPr txBox="1">
+            <a:spLocks noGrp="1"/>
+          </p:cNvSpPr>
           <p:nvPr>
-            <p:ph idx="1" type="body"/>
+            <p:ph type="body" idx="1"/>
           </p:nvPr>
         </p:nvSpPr>
         <p:spPr>
@@ -3537,7 +3856,7 @@
           </a:prstGeom>
         </p:spPr>
         <p:txBody>
-          <a:bodyPr anchorCtr="0" anchor="ctr" bIns="91425" lIns="91425" rIns="91425" tIns="91425"/>
+          <a:bodyPr lIns="91425" tIns="91425" rIns="91425" bIns="91425" anchor="ctr" anchorCtr="0"/>
           <a:lstStyle>
             <a:lvl1pPr lvl="0">
               <a:lnSpc>
@@ -3553,15 +3872,19 @@
               <a:defRPr/>
             </a:lvl1pPr>
           </a:lstStyle>
-          <a:p/>
+          <a:p>
+            <a:endParaRPr/>
+          </a:p>
         </p:txBody>
       </p:sp>
       <p:sp>
         <p:nvSpPr>
           <p:cNvPr id="43" name="Shape 43"/>
-          <p:cNvSpPr txBox="1"/>
+          <p:cNvSpPr txBox="1">
+            <a:spLocks noGrp="1"/>
+          </p:cNvSpPr>
           <p:nvPr>
-            <p:ph idx="12" type="sldNum"/>
+            <p:ph type="sldNum" idx="12"/>
           </p:nvPr>
         </p:nvSpPr>
         <p:spPr>
@@ -3574,7 +3897,7 @@
           </a:prstGeom>
         </p:spPr>
         <p:txBody>
-          <a:bodyPr anchorCtr="0" anchor="ctr" bIns="91425" lIns="91425" rIns="91425" tIns="91425">
+          <a:bodyPr lIns="91425" tIns="91425" rIns="91425" bIns="91425" anchor="ctr" anchorCtr="0">
             <a:noAutofit/>
           </a:bodyPr>
           <a:lstStyle/>
@@ -3587,8 +3910,15 @@
             </a:pPr>
             <a:fld id="{00000000-1234-1234-1234-123412341234}" type="slidenum">
               <a:rPr lang="en"/>
+              <a:pPr lvl="0">
+                <a:spcBef>
+                  <a:spcPts val="0"/>
+                </a:spcBef>
+                <a:buNone/>
+              </a:pPr>
               <a:t>‹#›</a:t>
             </a:fld>
+            <a:endParaRPr lang="en"/>
           </a:p>
         </p:txBody>
       </p:sp>
@@ -3601,18 +3931,19 @@
 </file>
 
 <file path=ppt/slideMasters/slideMaster1.xml><?xml version="1.0" encoding="utf-8"?>
-<p:sldMaster xmlns:a="http://schemas.openxmlformats.org/drawingml/2006/main" xmlns:r="http://schemas.openxmlformats.org/officeDocument/2006/relationships" xmlns:mc="http://schemas.openxmlformats.org/markup-compatibility/2006" xmlns:mv="urn:schemas-microsoft-com:mac:vml" xmlns:p="http://schemas.openxmlformats.org/presentationml/2006/main" xmlns:c="http://schemas.openxmlformats.org/drawingml/2006/chart" xmlns:dgm="http://schemas.openxmlformats.org/drawingml/2006/diagram" xmlns:o="urn:schemas-microsoft-com:office:office" xmlns:v="urn:schemas-microsoft-com:vml" xmlns:pvml="urn:schemas-microsoft-com:office:powerpoint" xmlns:com="http://schemas.openxmlformats.org/drawingml/2006/compatibility" xmlns:p14="http://schemas.microsoft.com/office/powerpoint/2010/main">
+<p:sldMaster xmlns:a="http://schemas.openxmlformats.org/drawingml/2006/main" xmlns:r="http://schemas.openxmlformats.org/officeDocument/2006/relationships" xmlns:p="http://schemas.openxmlformats.org/presentationml/2006/main">
   <p:cSld>
     <p:bg>
       <p:bgPr>
         <a:solidFill>
           <a:schemeClr val="lt1"/>
         </a:solidFill>
+        <a:effectLst/>
       </p:bgPr>
     </p:bg>
     <p:spTree>
       <p:nvGrpSpPr>
-        <p:cNvPr id="5" name="Shape 5"/>
+        <p:cNvPr id="1" name="Shape 5"/>
         <p:cNvGrpSpPr/>
         <p:nvPr/>
       </p:nvGrpSpPr>
@@ -3627,7 +3958,9 @@
       <p:sp>
         <p:nvSpPr>
           <p:cNvPr id="6" name="Shape 6"/>
-          <p:cNvSpPr txBox="1"/>
+          <p:cNvSpPr txBox="1">
+            <a:spLocks noGrp="1"/>
+          </p:cNvSpPr>
           <p:nvPr>
             <p:ph type="title"/>
           </p:nvPr>
@@ -3646,7 +3979,7 @@
           </a:ln>
         </p:spPr>
         <p:txBody>
-          <a:bodyPr anchorCtr="0" anchor="t" bIns="91425" lIns="91425" rIns="91425" tIns="91425"/>
+          <a:bodyPr lIns="91425" tIns="91425" rIns="91425" bIns="91425" anchor="t" anchorCtr="0"/>
           <a:lstStyle>
             <a:lvl1pPr lvl="0">
               <a:spcBef>
@@ -3784,15 +4117,19 @@
               </a:defRPr>
             </a:lvl9pPr>
           </a:lstStyle>
-          <a:p/>
+          <a:p>
+            <a:endParaRPr/>
+          </a:p>
         </p:txBody>
       </p:sp>
       <p:sp>
         <p:nvSpPr>
           <p:cNvPr id="7" name="Shape 7"/>
-          <p:cNvSpPr txBox="1"/>
+          <p:cNvSpPr txBox="1">
+            <a:spLocks noGrp="1"/>
+          </p:cNvSpPr>
           <p:nvPr>
-            <p:ph idx="1" type="body"/>
+            <p:ph type="body" idx="1"/>
           </p:nvPr>
         </p:nvSpPr>
         <p:spPr>
@@ -3809,7 +4146,7 @@
           </a:ln>
         </p:spPr>
         <p:txBody>
-          <a:bodyPr anchorCtr="0" anchor="t" bIns="91425" lIns="91425" rIns="91425" tIns="91425"/>
+          <a:bodyPr lIns="91425" tIns="91425" rIns="91425" bIns="91425" anchor="t" anchorCtr="0"/>
           <a:lstStyle>
             <a:lvl1pPr lvl="0">
               <a:lnSpc>
@@ -3984,15 +4321,19 @@
               </a:defRPr>
             </a:lvl9pPr>
           </a:lstStyle>
-          <a:p/>
+          <a:p>
+            <a:endParaRPr/>
+          </a:p>
         </p:txBody>
       </p:sp>
       <p:sp>
         <p:nvSpPr>
           <p:cNvPr id="8" name="Shape 8"/>
-          <p:cNvSpPr txBox="1"/>
+          <p:cNvSpPr txBox="1">
+            <a:spLocks noGrp="1"/>
+          </p:cNvSpPr>
           <p:nvPr>
-            <p:ph idx="12" type="sldNum"/>
+            <p:ph type="sldNum" idx="12"/>
           </p:nvPr>
         </p:nvSpPr>
         <p:spPr>
@@ -4009,7 +4350,7 @@
           </a:ln>
         </p:spPr>
         <p:txBody>
-          <a:bodyPr anchorCtr="0" anchor="ctr" bIns="91425" lIns="91425" rIns="91425" tIns="91425">
+          <a:bodyPr lIns="91425" tIns="91425" rIns="91425" bIns="91425" anchor="ctr" anchorCtr="0">
             <a:noAutofit/>
           </a:bodyPr>
           <a:lstStyle/>
@@ -4026,14 +4367,25 @@
                   <a:schemeClr val="lt2"/>
                 </a:solidFill>
               </a:rPr>
+              <a:pPr lvl="0" algn="r">
+                <a:spcBef>
+                  <a:spcPts val="0"/>
+                </a:spcBef>
+                <a:buNone/>
+              </a:pPr>
               <a:t>‹#›</a:t>
             </a:fld>
+            <a:endParaRPr lang="en" sz="1000">
+              <a:solidFill>
+                <a:schemeClr val="lt2"/>
+              </a:solidFill>
+            </a:endParaRPr>
           </a:p>
         </p:txBody>
       </p:sp>
     </p:spTree>
   </p:cSld>
-  <p:clrMap accent1="accent1" accent2="accent2" accent3="accent3" accent4="accent4" accent5="accent5" accent6="accent6" bg1="lt1" bg2="dk2" tx1="dk1" tx2="lt2" folHlink="folHlink" hlink="hlink"/>
+  <p:clrMap bg1="lt1" tx1="dk1" bg2="dk2" tx2="lt2" accent1="accent1" accent2="accent2" accent3="accent3" accent4="accent4" accent5="accent5" accent6="accent6" hlink="hlink" folHlink="folHlink"/>
   <p:sldLayoutIdLst>
     <p:sldLayoutId id="2147483648" r:id="rId1"/>
     <p:sldLayoutId id="2147483649" r:id="rId2"/>
@@ -4047,10 +4399,10 @@
     <p:sldLayoutId id="2147483657" r:id="rId10"/>
     <p:sldLayoutId id="2147483658" r:id="rId11"/>
   </p:sldLayoutIdLst>
-  <p:hf dt="0" ftr="0" hdr="0" sldNum="0"/>
+  <p:hf sldNum="0" hdr="0" ftr="0" dt="0"/>
   <p:txStyles>
     <p:titleStyle>
-      <a:defPPr lvl="0" marR="0" rtl="0" algn="l">
+      <a:defPPr marR="0" lvl="0" algn="l" rtl="0">
         <a:lnSpc>
           <a:spcPct val="100000"/>
         </a:lnSpc>
@@ -4061,7 +4413,7 @@
           <a:spcPts val="0"/>
         </a:spcAft>
       </a:defPPr>
-      <a:lvl1pPr lvl="0" marR="0" rtl="0" algn="l">
+      <a:lvl1pPr marR="0" lvl="0" algn="l" rtl="0">
         <a:lnSpc>
           <a:spcPct val="100000"/>
         </a:lnSpc>
@@ -4072,7 +4424,7 @@
           <a:spcPts val="0"/>
         </a:spcAft>
         <a:buNone/>
-        <a:defRPr b="0" i="0" sz="1400" u="none" cap="none" strike="noStrike">
+        <a:defRPr sz="1400" b="0" i="0" u="none" strike="noStrike" cap="none">
           <a:solidFill>
             <a:srgbClr val="000000"/>
           </a:solidFill>
@@ -4084,7 +4436,7 @@
       </a:lvl1pPr>
     </p:titleStyle>
     <p:bodyStyle>
-      <a:defPPr lvl="0" marR="0" rtl="0" algn="l">
+      <a:defPPr marR="0" lvl="0" algn="l" rtl="0">
         <a:lnSpc>
           <a:spcPct val="100000"/>
         </a:lnSpc>
@@ -4095,7 +4447,7 @@
           <a:spcPts val="0"/>
         </a:spcAft>
       </a:defPPr>
-      <a:lvl1pPr lvl="0" marR="0" rtl="0" algn="l">
+      <a:lvl1pPr marR="0" lvl="0" algn="l" rtl="0">
         <a:lnSpc>
           <a:spcPct val="100000"/>
         </a:lnSpc>
@@ -4106,7 +4458,7 @@
           <a:spcPts val="0"/>
         </a:spcAft>
         <a:buNone/>
-        <a:defRPr b="0" i="0" sz="1400" u="none" cap="none" strike="noStrike">
+        <a:defRPr sz="1400" b="0" i="0" u="none" strike="noStrike" cap="none">
           <a:solidFill>
             <a:srgbClr val="000000"/>
           </a:solidFill>
@@ -4116,7 +4468,7 @@
           <a:sym typeface="Arial"/>
         </a:defRPr>
       </a:lvl1pPr>
-      <a:lvl2pPr lvl="1" marR="0" rtl="0" algn="l">
+      <a:lvl2pPr marR="0" lvl="1" algn="l" rtl="0">
         <a:lnSpc>
           <a:spcPct val="100000"/>
         </a:lnSpc>
@@ -4127,7 +4479,7 @@
           <a:spcPts val="0"/>
         </a:spcAft>
         <a:buNone/>
-        <a:defRPr b="0" i="0" sz="1400" u="none" cap="none" strike="noStrike">
+        <a:defRPr sz="1400" b="0" i="0" u="none" strike="noStrike" cap="none">
           <a:solidFill>
             <a:srgbClr val="000000"/>
           </a:solidFill>
@@ -4137,7 +4489,7 @@
           <a:sym typeface="Arial"/>
         </a:defRPr>
       </a:lvl2pPr>
-      <a:lvl3pPr lvl="2" marR="0" rtl="0" algn="l">
+      <a:lvl3pPr marR="0" lvl="2" algn="l" rtl="0">
         <a:lnSpc>
           <a:spcPct val="100000"/>
         </a:lnSpc>
@@ -4148,7 +4500,7 @@
           <a:spcPts val="0"/>
         </a:spcAft>
         <a:buNone/>
-        <a:defRPr b="0" i="0" sz="1400" u="none" cap="none" strike="noStrike">
+        <a:defRPr sz="1400" b="0" i="0" u="none" strike="noStrike" cap="none">
           <a:solidFill>
             <a:srgbClr val="000000"/>
           </a:solidFill>
@@ -4158,7 +4510,7 @@
           <a:sym typeface="Arial"/>
         </a:defRPr>
       </a:lvl3pPr>
-      <a:lvl4pPr lvl="3" marR="0" rtl="0" algn="l">
+      <a:lvl4pPr marR="0" lvl="3" algn="l" rtl="0">
         <a:lnSpc>
           <a:spcPct val="100000"/>
         </a:lnSpc>
@@ -4169,7 +4521,7 @@
           <a:spcPts val="0"/>
         </a:spcAft>
         <a:buNone/>
-        <a:defRPr b="0" i="0" sz="1400" u="none" cap="none" strike="noStrike">
+        <a:defRPr sz="1400" b="0" i="0" u="none" strike="noStrike" cap="none">
           <a:solidFill>
             <a:srgbClr val="000000"/>
           </a:solidFill>
@@ -4179,7 +4531,7 @@
           <a:sym typeface="Arial"/>
         </a:defRPr>
       </a:lvl4pPr>
-      <a:lvl5pPr lvl="4" marR="0" rtl="0" algn="l">
+      <a:lvl5pPr marR="0" lvl="4" algn="l" rtl="0">
         <a:lnSpc>
           <a:spcPct val="100000"/>
         </a:lnSpc>
@@ -4190,7 +4542,7 @@
           <a:spcPts val="0"/>
         </a:spcAft>
         <a:buNone/>
-        <a:defRPr b="0" i="0" sz="1400" u="none" cap="none" strike="noStrike">
+        <a:defRPr sz="1400" b="0" i="0" u="none" strike="noStrike" cap="none">
           <a:solidFill>
             <a:srgbClr val="000000"/>
           </a:solidFill>
@@ -4200,7 +4552,7 @@
           <a:sym typeface="Arial"/>
         </a:defRPr>
       </a:lvl5pPr>
-      <a:lvl6pPr lvl="5" marR="0" rtl="0" algn="l">
+      <a:lvl6pPr marR="0" lvl="5" algn="l" rtl="0">
         <a:lnSpc>
           <a:spcPct val="100000"/>
         </a:lnSpc>
@@ -4211,7 +4563,7 @@
           <a:spcPts val="0"/>
         </a:spcAft>
         <a:buNone/>
-        <a:defRPr b="0" i="0" sz="1400" u="none" cap="none" strike="noStrike">
+        <a:defRPr sz="1400" b="0" i="0" u="none" strike="noStrike" cap="none">
           <a:solidFill>
             <a:srgbClr val="000000"/>
           </a:solidFill>
@@ -4221,7 +4573,7 @@
           <a:sym typeface="Arial"/>
         </a:defRPr>
       </a:lvl6pPr>
-      <a:lvl7pPr lvl="6" marR="0" rtl="0" algn="l">
+      <a:lvl7pPr marR="0" lvl="6" algn="l" rtl="0">
         <a:lnSpc>
           <a:spcPct val="100000"/>
         </a:lnSpc>
@@ -4232,7 +4584,7 @@
           <a:spcPts val="0"/>
         </a:spcAft>
         <a:buNone/>
-        <a:defRPr b="0" i="0" sz="1400" u="none" cap="none" strike="noStrike">
+        <a:defRPr sz="1400" b="0" i="0" u="none" strike="noStrike" cap="none">
           <a:solidFill>
             <a:srgbClr val="000000"/>
           </a:solidFill>
@@ -4242,7 +4594,7 @@
           <a:sym typeface="Arial"/>
         </a:defRPr>
       </a:lvl7pPr>
-      <a:lvl8pPr lvl="7" marR="0" rtl="0" algn="l">
+      <a:lvl8pPr marR="0" lvl="7" algn="l" rtl="0">
         <a:lnSpc>
           <a:spcPct val="100000"/>
         </a:lnSpc>
@@ -4253,7 +4605,7 @@
           <a:spcPts val="0"/>
         </a:spcAft>
         <a:buNone/>
-        <a:defRPr b="0" i="0" sz="1400" u="none" cap="none" strike="noStrike">
+        <a:defRPr sz="1400" b="0" i="0" u="none" strike="noStrike" cap="none">
           <a:solidFill>
             <a:srgbClr val="000000"/>
           </a:solidFill>
@@ -4263,7 +4615,7 @@
           <a:sym typeface="Arial"/>
         </a:defRPr>
       </a:lvl8pPr>
-      <a:lvl9pPr lvl="8" marR="0" rtl="0" algn="l">
+      <a:lvl9pPr marR="0" lvl="8" algn="l" rtl="0">
         <a:lnSpc>
           <a:spcPct val="100000"/>
         </a:lnSpc>
@@ -4274,7 +4626,7 @@
           <a:spcPts val="0"/>
         </a:spcAft>
         <a:buNone/>
-        <a:defRPr b="0" i="0" sz="1400" u="none" cap="none" strike="noStrike">
+        <a:defRPr sz="1400" b="0" i="0" u="none" strike="noStrike" cap="none">
           <a:solidFill>
             <a:srgbClr val="000000"/>
           </a:solidFill>
@@ -4286,7 +4638,7 @@
       </a:lvl9pPr>
     </p:bodyStyle>
     <p:otherStyle>
-      <a:defPPr lvl="0" marR="0" rtl="0" algn="l">
+      <a:defPPr marR="0" lvl="0" algn="l" rtl="0">
         <a:lnSpc>
           <a:spcPct val="100000"/>
         </a:lnSpc>
@@ -4297,7 +4649,7 @@
           <a:spcPts val="0"/>
         </a:spcAft>
       </a:defPPr>
-      <a:lvl1pPr lvl="0" marR="0" rtl="0" algn="l">
+      <a:lvl1pPr marR="0" lvl="0" algn="l" rtl="0">
         <a:lnSpc>
           <a:spcPct val="100000"/>
         </a:lnSpc>
@@ -4308,7 +4660,7 @@
           <a:spcPts val="0"/>
         </a:spcAft>
         <a:buNone/>
-        <a:defRPr b="0" i="0" sz="1400" u="none" cap="none" strike="noStrike">
+        <a:defRPr sz="1400" b="0" i="0" u="none" strike="noStrike" cap="none">
           <a:solidFill>
             <a:srgbClr val="000000"/>
           </a:solidFill>
@@ -4318,7 +4670,7 @@
           <a:sym typeface="Arial"/>
         </a:defRPr>
       </a:lvl1pPr>
-      <a:lvl2pPr lvl="1" marR="0" rtl="0" algn="l">
+      <a:lvl2pPr marR="0" lvl="1" algn="l" rtl="0">
         <a:lnSpc>
           <a:spcPct val="100000"/>
         </a:lnSpc>
@@ -4329,7 +4681,7 @@
           <a:spcPts val="0"/>
         </a:spcAft>
         <a:buNone/>
-        <a:defRPr b="0" i="0" sz="1400" u="none" cap="none" strike="noStrike">
+        <a:defRPr sz="1400" b="0" i="0" u="none" strike="noStrike" cap="none">
           <a:solidFill>
             <a:srgbClr val="000000"/>
           </a:solidFill>
@@ -4339,7 +4691,7 @@
           <a:sym typeface="Arial"/>
         </a:defRPr>
       </a:lvl2pPr>
-      <a:lvl3pPr lvl="2" marR="0" rtl="0" algn="l">
+      <a:lvl3pPr marR="0" lvl="2" algn="l" rtl="0">
         <a:lnSpc>
           <a:spcPct val="100000"/>
         </a:lnSpc>
@@ -4350,7 +4702,7 @@
           <a:spcPts val="0"/>
         </a:spcAft>
         <a:buNone/>
-        <a:defRPr b="0" i="0" sz="1400" u="none" cap="none" strike="noStrike">
+        <a:defRPr sz="1400" b="0" i="0" u="none" strike="noStrike" cap="none">
           <a:solidFill>
             <a:srgbClr val="000000"/>
           </a:solidFill>
@@ -4360,7 +4712,7 @@
           <a:sym typeface="Arial"/>
         </a:defRPr>
       </a:lvl3pPr>
-      <a:lvl4pPr lvl="3" marR="0" rtl="0" algn="l">
+      <a:lvl4pPr marR="0" lvl="3" algn="l" rtl="0">
         <a:lnSpc>
           <a:spcPct val="100000"/>
         </a:lnSpc>
@@ -4371,7 +4723,7 @@
           <a:spcPts val="0"/>
         </a:spcAft>
         <a:buNone/>
-        <a:defRPr b="0" i="0" sz="1400" u="none" cap="none" strike="noStrike">
+        <a:defRPr sz="1400" b="0" i="0" u="none" strike="noStrike" cap="none">
           <a:solidFill>
             <a:srgbClr val="000000"/>
           </a:solidFill>
@@ -4381,7 +4733,7 @@
           <a:sym typeface="Arial"/>
         </a:defRPr>
       </a:lvl4pPr>
-      <a:lvl5pPr lvl="4" marR="0" rtl="0" algn="l">
+      <a:lvl5pPr marR="0" lvl="4" algn="l" rtl="0">
         <a:lnSpc>
           <a:spcPct val="100000"/>
         </a:lnSpc>
@@ -4392,7 +4744,7 @@
           <a:spcPts val="0"/>
         </a:spcAft>
         <a:buNone/>
-        <a:defRPr b="0" i="0" sz="1400" u="none" cap="none" strike="noStrike">
+        <a:defRPr sz="1400" b="0" i="0" u="none" strike="noStrike" cap="none">
           <a:solidFill>
             <a:srgbClr val="000000"/>
           </a:solidFill>
@@ -4402,7 +4754,7 @@
           <a:sym typeface="Arial"/>
         </a:defRPr>
       </a:lvl5pPr>
-      <a:lvl6pPr lvl="5" marR="0" rtl="0" algn="l">
+      <a:lvl6pPr marR="0" lvl="5" algn="l" rtl="0">
         <a:lnSpc>
           <a:spcPct val="100000"/>
         </a:lnSpc>
@@ -4413,7 +4765,7 @@
           <a:spcPts val="0"/>
         </a:spcAft>
         <a:buNone/>
-        <a:defRPr b="0" i="0" sz="1400" u="none" cap="none" strike="noStrike">
+        <a:defRPr sz="1400" b="0" i="0" u="none" strike="noStrike" cap="none">
           <a:solidFill>
             <a:srgbClr val="000000"/>
           </a:solidFill>
@@ -4423,7 +4775,7 @@
           <a:sym typeface="Arial"/>
         </a:defRPr>
       </a:lvl6pPr>
-      <a:lvl7pPr lvl="6" marR="0" rtl="0" algn="l">
+      <a:lvl7pPr marR="0" lvl="6" algn="l" rtl="0">
         <a:lnSpc>
           <a:spcPct val="100000"/>
         </a:lnSpc>
@@ -4434,7 +4786,7 @@
           <a:spcPts val="0"/>
         </a:spcAft>
         <a:buNone/>
-        <a:defRPr b="0" i="0" sz="1400" u="none" cap="none" strike="noStrike">
+        <a:defRPr sz="1400" b="0" i="0" u="none" strike="noStrike" cap="none">
           <a:solidFill>
             <a:srgbClr val="000000"/>
           </a:solidFill>
@@ -4444,7 +4796,7 @@
           <a:sym typeface="Arial"/>
         </a:defRPr>
       </a:lvl7pPr>
-      <a:lvl8pPr lvl="7" marR="0" rtl="0" algn="l">
+      <a:lvl8pPr marR="0" lvl="7" algn="l" rtl="0">
         <a:lnSpc>
           <a:spcPct val="100000"/>
         </a:lnSpc>
@@ -4455,7 +4807,7 @@
           <a:spcPts val="0"/>
         </a:spcAft>
         <a:buNone/>
-        <a:defRPr b="0" i="0" sz="1400" u="none" cap="none" strike="noStrike">
+        <a:defRPr sz="1400" b="0" i="0" u="none" strike="noStrike" cap="none">
           <a:solidFill>
             <a:srgbClr val="000000"/>
           </a:solidFill>
@@ -4465,7 +4817,7 @@
           <a:sym typeface="Arial"/>
         </a:defRPr>
       </a:lvl8pPr>
-      <a:lvl9pPr lvl="8" marR="0" rtl="0" algn="l">
+      <a:lvl9pPr marR="0" lvl="8" algn="l" rtl="0">
         <a:lnSpc>
           <a:spcPct val="100000"/>
         </a:lnSpc>
@@ -4476,7 +4828,7 @@
           <a:spcPts val="0"/>
         </a:spcAft>
         <a:buNone/>
-        <a:defRPr b="0" i="0" sz="1400" u="none" cap="none" strike="noStrike">
+        <a:defRPr sz="1400" b="0" i="0" u="none" strike="noStrike" cap="none">
           <a:solidFill>
             <a:srgbClr val="000000"/>
           </a:solidFill>
@@ -4492,11 +4844,11 @@
 </file>
 
 <file path=ppt/slides/slide1.xml><?xml version="1.0" encoding="utf-8"?>
-<p:sld xmlns:a="http://schemas.openxmlformats.org/drawingml/2006/main" xmlns:r="http://schemas.openxmlformats.org/officeDocument/2006/relationships" xmlns:mc="http://schemas.openxmlformats.org/markup-compatibility/2006" xmlns:mv="urn:schemas-microsoft-com:mac:vml" xmlns:p="http://schemas.openxmlformats.org/presentationml/2006/main" xmlns:c="http://schemas.openxmlformats.org/drawingml/2006/chart" xmlns:dgm="http://schemas.openxmlformats.org/drawingml/2006/diagram" xmlns:o="urn:schemas-microsoft-com:office:office" xmlns:v="urn:schemas-microsoft-com:vml" xmlns:pvml="urn:schemas-microsoft-com:office:powerpoint" xmlns:com="http://schemas.openxmlformats.org/drawingml/2006/compatibility" xmlns:p14="http://schemas.microsoft.com/office/powerpoint/2010/main">
+<p:sld xmlns:a="http://schemas.openxmlformats.org/drawingml/2006/main" xmlns:r="http://schemas.openxmlformats.org/officeDocument/2006/relationships" xmlns:p="http://schemas.openxmlformats.org/presentationml/2006/main">
   <p:cSld>
     <p:spTree>
       <p:nvGrpSpPr>
-        <p:cNvPr id="53" name="Shape 53"/>
+        <p:cNvPr id="1" name="Shape 53"/>
         <p:cNvGrpSpPr/>
         <p:nvPr/>
       </p:nvGrpSpPr>
@@ -4511,7 +4863,9 @@
       <p:sp>
         <p:nvSpPr>
           <p:cNvPr id="54" name="Shape 54"/>
-          <p:cNvSpPr txBox="1"/>
+          <p:cNvSpPr txBox="1">
+            <a:spLocks noGrp="1"/>
+          </p:cNvSpPr>
           <p:nvPr>
             <p:ph type="ctrTitle"/>
           </p:nvPr>
@@ -4526,7 +4880,7 @@
           </a:prstGeom>
         </p:spPr>
         <p:txBody>
-          <a:bodyPr anchorCtr="0" anchor="b" bIns="91425" lIns="91425" rIns="91425" tIns="91425">
+          <a:bodyPr lIns="91425" tIns="91425" rIns="91425" bIns="91425" anchor="b" anchorCtr="0">
             <a:noAutofit/>
           </a:bodyPr>
           <a:lstStyle/>
@@ -4547,9 +4901,11 @@
       <p:sp>
         <p:nvSpPr>
           <p:cNvPr id="55" name="Shape 55"/>
-          <p:cNvSpPr txBox="1"/>
+          <p:cNvSpPr txBox="1">
+            <a:spLocks noGrp="1"/>
+          </p:cNvSpPr>
           <p:nvPr>
-            <p:ph idx="1" type="subTitle"/>
+            <p:ph type="subTitle" idx="1"/>
           </p:nvPr>
         </p:nvSpPr>
         <p:spPr>
@@ -4562,7 +4918,7 @@
           </a:prstGeom>
         </p:spPr>
         <p:txBody>
-          <a:bodyPr anchorCtr="0" anchor="t" bIns="91425" lIns="91425" rIns="91425" tIns="91425">
+          <a:bodyPr lIns="91425" tIns="91425" rIns="91425" bIns="91425" anchor="t" anchorCtr="0">
             <a:noAutofit/>
           </a:bodyPr>
           <a:lstStyle/>
@@ -4589,11 +4945,11 @@
 </file>
 
 <file path=ppt/slides/slide2.xml><?xml version="1.0" encoding="utf-8"?>
-<p:sld xmlns:a="http://schemas.openxmlformats.org/drawingml/2006/main" xmlns:r="http://schemas.openxmlformats.org/officeDocument/2006/relationships" xmlns:mc="http://schemas.openxmlformats.org/markup-compatibility/2006" xmlns:mv="urn:schemas-microsoft-com:mac:vml" xmlns:p="http://schemas.openxmlformats.org/presentationml/2006/main" xmlns:c="http://schemas.openxmlformats.org/drawingml/2006/chart" xmlns:dgm="http://schemas.openxmlformats.org/drawingml/2006/diagram" xmlns:o="urn:schemas-microsoft-com:office:office" xmlns:v="urn:schemas-microsoft-com:vml" xmlns:pvml="urn:schemas-microsoft-com:office:powerpoint" xmlns:com="http://schemas.openxmlformats.org/drawingml/2006/compatibility" xmlns:p14="http://schemas.microsoft.com/office/powerpoint/2010/main">
+<p:sld xmlns:a="http://schemas.openxmlformats.org/drawingml/2006/main" xmlns:r="http://schemas.openxmlformats.org/officeDocument/2006/relationships" xmlns:p="http://schemas.openxmlformats.org/presentationml/2006/main">
   <p:cSld>
     <p:spTree>
       <p:nvGrpSpPr>
-        <p:cNvPr id="59" name="Shape 59"/>
+        <p:cNvPr id="1" name="Shape 59"/>
         <p:cNvGrpSpPr/>
         <p:nvPr/>
       </p:nvGrpSpPr>
@@ -4608,9 +4964,11 @@
       <p:sp>
         <p:nvSpPr>
           <p:cNvPr id="60" name="Shape 60"/>
-          <p:cNvSpPr txBox="1"/>
+          <p:cNvSpPr txBox="1">
+            <a:spLocks noGrp="1"/>
+          </p:cNvSpPr>
           <p:nvPr>
-            <p:ph idx="4294967295" type="title"/>
+            <p:ph type="title" idx="4294967295"/>
           </p:nvPr>
         </p:nvSpPr>
         <p:spPr>
@@ -4623,7 +4981,7 @@
           </a:prstGeom>
         </p:spPr>
         <p:txBody>
-          <a:bodyPr anchorCtr="0" anchor="t" bIns="91425" lIns="91425" rIns="91425" tIns="91425">
+          <a:bodyPr lIns="91425" tIns="91425" rIns="91425" bIns="91425" anchor="t" anchorCtr="0">
             <a:noAutofit/>
           </a:bodyPr>
           <a:lstStyle/>
@@ -4647,9 +5005,11 @@
       <p:sp>
         <p:nvSpPr>
           <p:cNvPr id="61" name="Shape 61"/>
-          <p:cNvSpPr txBox="1"/>
+          <p:cNvSpPr txBox="1">
+            <a:spLocks noGrp="1"/>
+          </p:cNvSpPr>
           <p:nvPr>
-            <p:ph idx="4294967295" type="title"/>
+            <p:ph type="title" idx="4294967295"/>
           </p:nvPr>
         </p:nvSpPr>
         <p:spPr>
@@ -4662,7 +5022,7 @@
           </a:prstGeom>
         </p:spPr>
         <p:txBody>
-          <a:bodyPr anchorCtr="0" anchor="t" bIns="91425" lIns="91425" rIns="91425" tIns="91425">
+          <a:bodyPr lIns="91425" tIns="91425" rIns="91425" bIns="91425" anchor="t" anchorCtr="0">
             <a:noAutofit/>
           </a:bodyPr>
           <a:lstStyle/>
@@ -4769,11 +5129,11 @@
 </file>
 
 <file path=ppt/slides/slide3.xml><?xml version="1.0" encoding="utf-8"?>
-<p:sld xmlns:a="http://schemas.openxmlformats.org/drawingml/2006/main" xmlns:r="http://schemas.openxmlformats.org/officeDocument/2006/relationships" xmlns:mc="http://schemas.openxmlformats.org/markup-compatibility/2006" xmlns:mv="urn:schemas-microsoft-com:mac:vml" xmlns:p="http://schemas.openxmlformats.org/presentationml/2006/main" xmlns:c="http://schemas.openxmlformats.org/drawingml/2006/chart" xmlns:dgm="http://schemas.openxmlformats.org/drawingml/2006/diagram" xmlns:o="urn:schemas-microsoft-com:office:office" xmlns:v="urn:schemas-microsoft-com:vml" xmlns:pvml="urn:schemas-microsoft-com:office:powerpoint" xmlns:com="http://schemas.openxmlformats.org/drawingml/2006/compatibility" xmlns:p14="http://schemas.microsoft.com/office/powerpoint/2010/main">
+<p:sld xmlns:a="http://schemas.openxmlformats.org/drawingml/2006/main" xmlns:r="http://schemas.openxmlformats.org/officeDocument/2006/relationships" xmlns:p="http://schemas.openxmlformats.org/presentationml/2006/main">
   <p:cSld>
     <p:spTree>
       <p:nvGrpSpPr>
-        <p:cNvPr id="65" name="Shape 65"/>
+        <p:cNvPr id="1" name="Shape 65"/>
         <p:cNvGrpSpPr/>
         <p:nvPr/>
       </p:nvGrpSpPr>
@@ -4788,9 +5148,11 @@
       <p:sp>
         <p:nvSpPr>
           <p:cNvPr id="66" name="Shape 66"/>
-          <p:cNvSpPr txBox="1"/>
+          <p:cNvSpPr txBox="1">
+            <a:spLocks noGrp="1"/>
+          </p:cNvSpPr>
           <p:nvPr>
-            <p:ph idx="4294967295" type="title"/>
+            <p:ph type="title" idx="4294967295"/>
           </p:nvPr>
         </p:nvSpPr>
         <p:spPr>
@@ -4803,7 +5165,7 @@
           </a:prstGeom>
         </p:spPr>
         <p:txBody>
-          <a:bodyPr anchorCtr="0" anchor="t" bIns="91425" lIns="91425" rIns="91425" tIns="91425">
+          <a:bodyPr lIns="91425" tIns="91425" rIns="91425" bIns="91425" anchor="t" anchorCtr="0">
             <a:noAutofit/>
           </a:bodyPr>
           <a:lstStyle/>
@@ -4827,9 +5189,11 @@
       <p:sp>
         <p:nvSpPr>
           <p:cNvPr id="67" name="Shape 67"/>
-          <p:cNvSpPr txBox="1"/>
+          <p:cNvSpPr txBox="1">
+            <a:spLocks noGrp="1"/>
+          </p:cNvSpPr>
           <p:nvPr>
-            <p:ph idx="4294967295" type="title"/>
+            <p:ph type="title" idx="4294967295"/>
           </p:nvPr>
         </p:nvSpPr>
         <p:spPr>
@@ -4842,7 +5206,7 @@
           </a:prstGeom>
         </p:spPr>
         <p:txBody>
-          <a:bodyPr anchorCtr="0" anchor="t" bIns="91425" lIns="91425" rIns="91425" tIns="91425">
+          <a:bodyPr lIns="91425" tIns="91425" rIns="91425" bIns="91425" anchor="t" anchorCtr="0">
             <a:noAutofit/>
           </a:bodyPr>
           <a:lstStyle/>
@@ -4951,9 +5315,6 @@
               </a:spcAft>
               <a:buNone/>
             </a:pPr>
-            <a:r>
-              <a:t/>
-            </a:r>
             <a:endParaRPr sz="1700">
               <a:latin typeface="Lato"/>
               <a:ea typeface="Lato"/>
@@ -4974,9 +5335,6 @@
               </a:spcAft>
               <a:buNone/>
             </a:pPr>
-            <a:r>
-              <a:t/>
-            </a:r>
             <a:endParaRPr sz="1700">
               <a:latin typeface="Lato"/>
               <a:ea typeface="Lato"/>
@@ -4995,11 +5353,11 @@
 </file>
 
 <file path=ppt/slides/slide4.xml><?xml version="1.0" encoding="utf-8"?>
-<p:sld xmlns:a="http://schemas.openxmlformats.org/drawingml/2006/main" xmlns:r="http://schemas.openxmlformats.org/officeDocument/2006/relationships" xmlns:mc="http://schemas.openxmlformats.org/markup-compatibility/2006" xmlns:mv="urn:schemas-microsoft-com:mac:vml" xmlns:p="http://schemas.openxmlformats.org/presentationml/2006/main" xmlns:c="http://schemas.openxmlformats.org/drawingml/2006/chart" xmlns:dgm="http://schemas.openxmlformats.org/drawingml/2006/diagram" xmlns:o="urn:schemas-microsoft-com:office:office" xmlns:v="urn:schemas-microsoft-com:vml" xmlns:pvml="urn:schemas-microsoft-com:office:powerpoint" xmlns:com="http://schemas.openxmlformats.org/drawingml/2006/compatibility" xmlns:p14="http://schemas.microsoft.com/office/powerpoint/2010/main">
+<p:sld xmlns:a="http://schemas.openxmlformats.org/drawingml/2006/main" xmlns:r="http://schemas.openxmlformats.org/officeDocument/2006/relationships" xmlns:p="http://schemas.openxmlformats.org/presentationml/2006/main">
   <p:cSld>
     <p:spTree>
       <p:nvGrpSpPr>
-        <p:cNvPr id="71" name="Shape 71"/>
+        <p:cNvPr id="1" name="Shape 71"/>
         <p:cNvGrpSpPr/>
         <p:nvPr/>
       </p:nvGrpSpPr>
@@ -5014,9 +5372,11 @@
       <p:sp>
         <p:nvSpPr>
           <p:cNvPr id="72" name="Shape 72"/>
-          <p:cNvSpPr txBox="1"/>
+          <p:cNvSpPr txBox="1">
+            <a:spLocks noGrp="1"/>
+          </p:cNvSpPr>
           <p:nvPr>
-            <p:ph idx="4294967295" type="title"/>
+            <p:ph type="title" idx="4294967295"/>
           </p:nvPr>
         </p:nvSpPr>
         <p:spPr>
@@ -5029,7 +5389,7 @@
           </a:prstGeom>
         </p:spPr>
         <p:txBody>
-          <a:bodyPr anchorCtr="0" anchor="t" bIns="91425" lIns="91425" rIns="91425" tIns="91425">
+          <a:bodyPr lIns="91425" tIns="91425" rIns="91425" bIns="91425" anchor="t" anchorCtr="0">
             <a:noAutofit/>
           </a:bodyPr>
           <a:lstStyle/>
@@ -5053,9 +5413,11 @@
       <p:sp>
         <p:nvSpPr>
           <p:cNvPr id="73" name="Shape 73"/>
-          <p:cNvSpPr txBox="1"/>
+          <p:cNvSpPr txBox="1">
+            <a:spLocks noGrp="1"/>
+          </p:cNvSpPr>
           <p:nvPr>
-            <p:ph idx="4294967295" type="title"/>
+            <p:ph type="title" idx="4294967295"/>
           </p:nvPr>
         </p:nvSpPr>
         <p:spPr>
@@ -5068,7 +5430,7 @@
           </a:prstGeom>
         </p:spPr>
         <p:txBody>
-          <a:bodyPr anchorCtr="0" anchor="t" bIns="91425" lIns="91425" rIns="91425" tIns="91425">
+          <a:bodyPr lIns="91425" tIns="91425" rIns="91425" bIns="91425" anchor="t" anchorCtr="0">
             <a:noAutofit/>
           </a:bodyPr>
           <a:lstStyle/>
@@ -5131,9 +5493,6 @@
               </a:spcAft>
               <a:buNone/>
             </a:pPr>
-            <a:r>
-              <a:t/>
-            </a:r>
             <a:endParaRPr sz="1700">
               <a:latin typeface="Lato"/>
               <a:ea typeface="Lato"/>
@@ -5153,7 +5512,7 @@
           <a:blip r:embed="rId3">
             <a:alphaModFix amt="36000"/>
           </a:blip>
-          <a:srcRect b="30007" l="8594" r="38518" t="16871"/>
+          <a:srcRect l="8594" t="16871" r="38518" b="30007"/>
           <a:stretch/>
         </p:blipFill>
         <p:spPr>
@@ -5179,11 +5538,11 @@
 </file>
 
 <file path=ppt/slides/slide5.xml><?xml version="1.0" encoding="utf-8"?>
-<p:sld xmlns:a="http://schemas.openxmlformats.org/drawingml/2006/main" xmlns:r="http://schemas.openxmlformats.org/officeDocument/2006/relationships" xmlns:mc="http://schemas.openxmlformats.org/markup-compatibility/2006" xmlns:mv="urn:schemas-microsoft-com:mac:vml" xmlns:p="http://schemas.openxmlformats.org/presentationml/2006/main" xmlns:c="http://schemas.openxmlformats.org/drawingml/2006/chart" xmlns:dgm="http://schemas.openxmlformats.org/drawingml/2006/diagram" xmlns:o="urn:schemas-microsoft-com:office:office" xmlns:v="urn:schemas-microsoft-com:vml" xmlns:pvml="urn:schemas-microsoft-com:office:powerpoint" xmlns:com="http://schemas.openxmlformats.org/drawingml/2006/compatibility" xmlns:p14="http://schemas.microsoft.com/office/powerpoint/2010/main">
+<p:sld xmlns:a="http://schemas.openxmlformats.org/drawingml/2006/main" xmlns:r="http://schemas.openxmlformats.org/officeDocument/2006/relationships" xmlns:p="http://schemas.openxmlformats.org/presentationml/2006/main">
   <p:cSld>
     <p:spTree>
       <p:nvGrpSpPr>
-        <p:cNvPr id="78" name="Shape 78"/>
+        <p:cNvPr id="1" name="Shape 78"/>
         <p:cNvGrpSpPr/>
         <p:nvPr/>
       </p:nvGrpSpPr>
@@ -5198,9 +5557,11 @@
       <p:sp>
         <p:nvSpPr>
           <p:cNvPr id="79" name="Shape 79"/>
-          <p:cNvSpPr txBox="1"/>
+          <p:cNvSpPr txBox="1">
+            <a:spLocks noGrp="1"/>
+          </p:cNvSpPr>
           <p:nvPr>
-            <p:ph idx="4294967295" type="title"/>
+            <p:ph type="title" idx="4294967295"/>
           </p:nvPr>
         </p:nvSpPr>
         <p:spPr>
@@ -5213,7 +5574,7 @@
           </a:prstGeom>
         </p:spPr>
         <p:txBody>
-          <a:bodyPr anchorCtr="0" anchor="t" bIns="91425" lIns="91425" rIns="91425" tIns="91425">
+          <a:bodyPr lIns="91425" tIns="91425" rIns="91425" bIns="91425" anchor="t" anchorCtr="0">
             <a:noAutofit/>
           </a:bodyPr>
           <a:lstStyle/>
@@ -5237,9 +5598,11 @@
       <p:sp>
         <p:nvSpPr>
           <p:cNvPr id="80" name="Shape 80"/>
-          <p:cNvSpPr txBox="1"/>
+          <p:cNvSpPr txBox="1">
+            <a:spLocks noGrp="1"/>
+          </p:cNvSpPr>
           <p:nvPr>
-            <p:ph idx="4294967295" type="title"/>
+            <p:ph type="title" idx="4294967295"/>
           </p:nvPr>
         </p:nvSpPr>
         <p:spPr>
@@ -5252,7 +5615,7 @@
           </a:prstGeom>
         </p:spPr>
         <p:txBody>
-          <a:bodyPr anchorCtr="0" anchor="t" bIns="91425" lIns="91425" rIns="91425" tIns="91425">
+          <a:bodyPr lIns="91425" tIns="91425" rIns="91425" bIns="91425" anchor="t" anchorCtr="0">
             <a:noAutofit/>
           </a:bodyPr>
           <a:lstStyle/>
@@ -5270,7 +5633,7 @@
               <a:buNone/>
             </a:pPr>
             <a:r>
-              <a:rPr lang="en" sz="1800">
+              <a:rPr lang="en" sz="1800" dirty="0">
                 <a:latin typeface="Lato"/>
                 <a:ea typeface="Lato"/>
                 <a:cs typeface="Lato"/>
@@ -5293,7 +5656,7 @@
               <a:buNone/>
             </a:pPr>
             <a:r>
-              <a:rPr lang="en" sz="1800">
+              <a:rPr lang="en" sz="1800" dirty="0">
                 <a:latin typeface="Lato"/>
                 <a:ea typeface="Lato"/>
                 <a:cs typeface="Lato"/>
@@ -5316,7 +5679,7 @@
               <a:buNone/>
             </a:pPr>
             <a:r>
-              <a:rPr lang="en" sz="1800">
+              <a:rPr lang="en" sz="1800" dirty="0">
                 <a:latin typeface="Lato"/>
                 <a:ea typeface="Lato"/>
                 <a:cs typeface="Lato"/>
@@ -5324,6 +5687,55 @@
               </a:rPr>
               <a:t>We have plans to add more into the game that rewards the player. For example, better weapons or power ups in the final game. </a:t>
             </a:r>
+            <a:r>
+              <a:rPr lang="en" sz="1800" dirty="0" smtClean="0">
+                <a:latin typeface="Lato"/>
+                <a:ea typeface="Lato"/>
+                <a:cs typeface="Lato"/>
+                <a:sym typeface="Lato"/>
+              </a:rPr>
+              <a:t/>
+            </a:r>
+            <a:br>
+              <a:rPr lang="en" sz="1800" dirty="0" smtClean="0">
+                <a:latin typeface="Lato"/>
+                <a:ea typeface="Lato"/>
+                <a:cs typeface="Lato"/>
+                <a:sym typeface="Lato"/>
+              </a:rPr>
+            </a:br>
+            <a:r>
+              <a:rPr lang="en" sz="1800" dirty="0" smtClean="0">
+                <a:latin typeface="Lato"/>
+                <a:ea typeface="Lato"/>
+                <a:cs typeface="Lato"/>
+                <a:sym typeface="Lato"/>
+              </a:rPr>
+              <a:t/>
+            </a:r>
+            <a:br>
+              <a:rPr lang="en" sz="1800" dirty="0" smtClean="0">
+                <a:latin typeface="Lato"/>
+                <a:ea typeface="Lato"/>
+                <a:cs typeface="Lato"/>
+                <a:sym typeface="Lato"/>
+              </a:rPr>
+            </a:br>
+            <a:r>
+              <a:rPr lang="en" sz="1800" dirty="0" smtClean="0">
+                <a:latin typeface="Lato"/>
+                <a:ea typeface="Lato"/>
+                <a:cs typeface="Lato"/>
+                <a:sym typeface="Lato"/>
+              </a:rPr>
+              <a:t>Combination of two different gameplay styles, nothing else on the market like it. </a:t>
+            </a:r>
+            <a:endParaRPr lang="en" sz="1800" dirty="0">
+              <a:latin typeface="Lato"/>
+              <a:ea typeface="Lato"/>
+              <a:cs typeface="Lato"/>
+              <a:sym typeface="Lato"/>
+            </a:endParaRPr>
           </a:p>
           <a:p>
             <a:pPr lvl="0" rtl="0">
@@ -5338,9 +5750,6 @@
               </a:spcAft>
               <a:buNone/>
             </a:pPr>
-            <a:r>
-              <a:t/>
-            </a:r>
             <a:endParaRPr sz="1800">
               <a:latin typeface="Lato"/>
               <a:ea typeface="Lato"/>
@@ -5359,11 +5768,11 @@
 </file>
 
 <file path=ppt/slides/slide6.xml><?xml version="1.0" encoding="utf-8"?>
-<p:sld xmlns:a="http://schemas.openxmlformats.org/drawingml/2006/main" xmlns:r="http://schemas.openxmlformats.org/officeDocument/2006/relationships" xmlns:mc="http://schemas.openxmlformats.org/markup-compatibility/2006" xmlns:mv="urn:schemas-microsoft-com:mac:vml" xmlns:p="http://schemas.openxmlformats.org/presentationml/2006/main" xmlns:c="http://schemas.openxmlformats.org/drawingml/2006/chart" xmlns:dgm="http://schemas.openxmlformats.org/drawingml/2006/diagram" xmlns:o="urn:schemas-microsoft-com:office:office" xmlns:v="urn:schemas-microsoft-com:vml" xmlns:pvml="urn:schemas-microsoft-com:office:powerpoint" xmlns:com="http://schemas.openxmlformats.org/drawingml/2006/compatibility" xmlns:p14="http://schemas.microsoft.com/office/powerpoint/2010/main">
+<p:sld xmlns:a="http://schemas.openxmlformats.org/drawingml/2006/main" xmlns:r="http://schemas.openxmlformats.org/officeDocument/2006/relationships" xmlns:p="http://schemas.openxmlformats.org/presentationml/2006/main">
   <p:cSld>
     <p:spTree>
       <p:nvGrpSpPr>
-        <p:cNvPr id="84" name="Shape 84"/>
+        <p:cNvPr id="1" name="Shape 84"/>
         <p:cNvGrpSpPr/>
         <p:nvPr/>
       </p:nvGrpSpPr>
@@ -5378,9 +5787,11 @@
       <p:sp>
         <p:nvSpPr>
           <p:cNvPr id="85" name="Shape 85"/>
-          <p:cNvSpPr txBox="1"/>
+          <p:cNvSpPr txBox="1">
+            <a:spLocks noGrp="1"/>
+          </p:cNvSpPr>
           <p:nvPr>
-            <p:ph idx="4294967295" type="title"/>
+            <p:ph type="title" idx="4294967295"/>
           </p:nvPr>
         </p:nvSpPr>
         <p:spPr>
@@ -5393,7 +5804,7 @@
           </a:prstGeom>
         </p:spPr>
         <p:txBody>
-          <a:bodyPr anchorCtr="0" anchor="t" bIns="91425" lIns="91425" rIns="91425" tIns="91425">
+          <a:bodyPr lIns="91425" tIns="91425" rIns="91425" bIns="91425" anchor="t" anchorCtr="0">
             <a:noAutofit/>
           </a:bodyPr>
           <a:lstStyle/>
@@ -5417,9 +5828,11 @@
       <p:sp>
         <p:nvSpPr>
           <p:cNvPr id="86" name="Shape 86"/>
-          <p:cNvSpPr txBox="1"/>
+          <p:cNvSpPr txBox="1">
+            <a:spLocks noGrp="1"/>
+          </p:cNvSpPr>
           <p:nvPr>
-            <p:ph idx="4294967295" type="title"/>
+            <p:ph type="title" idx="4294967295"/>
           </p:nvPr>
         </p:nvSpPr>
         <p:spPr>
@@ -5432,7 +5845,7 @@
           </a:prstGeom>
         </p:spPr>
         <p:txBody>
-          <a:bodyPr anchorCtr="0" anchor="t" bIns="91425" lIns="91425" rIns="91425" tIns="91425">
+          <a:bodyPr lIns="91425" tIns="91425" rIns="91425" bIns="91425" anchor="t" anchorCtr="0">
             <a:noAutofit/>
           </a:bodyPr>
           <a:lstStyle/>
@@ -5564,9 +5977,6 @@
               </a:spcAft>
               <a:buNone/>
             </a:pPr>
-            <a:r>
-              <a:t/>
-            </a:r>
             <a:endParaRPr sz="1800">
               <a:latin typeface="Lato"/>
               <a:ea typeface="Lato"/>
@@ -5587,9 +5997,6 @@
               </a:spcAft>
               <a:buNone/>
             </a:pPr>
-            <a:r>
-              <a:t/>
-            </a:r>
             <a:endParaRPr sz="1800">
               <a:latin typeface="Lato"/>
               <a:ea typeface="Lato"/>
@@ -5608,11 +6015,11 @@
 </file>
 
 <file path=ppt/slides/slide7.xml><?xml version="1.0" encoding="utf-8"?>
-<p:sld xmlns:a="http://schemas.openxmlformats.org/drawingml/2006/main" xmlns:r="http://schemas.openxmlformats.org/officeDocument/2006/relationships" xmlns:mc="http://schemas.openxmlformats.org/markup-compatibility/2006" xmlns:mv="urn:schemas-microsoft-com:mac:vml" xmlns:p="http://schemas.openxmlformats.org/presentationml/2006/main" xmlns:c="http://schemas.openxmlformats.org/drawingml/2006/chart" xmlns:dgm="http://schemas.openxmlformats.org/drawingml/2006/diagram" xmlns:o="urn:schemas-microsoft-com:office:office" xmlns:v="urn:schemas-microsoft-com:vml" xmlns:pvml="urn:schemas-microsoft-com:office:powerpoint" xmlns:com="http://schemas.openxmlformats.org/drawingml/2006/compatibility" xmlns:p14="http://schemas.microsoft.com/office/powerpoint/2010/main">
+<p:sld xmlns:a="http://schemas.openxmlformats.org/drawingml/2006/main" xmlns:r="http://schemas.openxmlformats.org/officeDocument/2006/relationships" xmlns:p="http://schemas.openxmlformats.org/presentationml/2006/main">
   <p:cSld>
     <p:spTree>
       <p:nvGrpSpPr>
-        <p:cNvPr id="90" name="Shape 90"/>
+        <p:cNvPr id="1" name="Shape 90"/>
         <p:cNvGrpSpPr/>
         <p:nvPr/>
       </p:nvGrpSpPr>
@@ -5627,9 +6034,11 @@
       <p:sp>
         <p:nvSpPr>
           <p:cNvPr id="91" name="Shape 91"/>
-          <p:cNvSpPr txBox="1"/>
+          <p:cNvSpPr txBox="1">
+            <a:spLocks noGrp="1"/>
+          </p:cNvSpPr>
           <p:nvPr>
-            <p:ph idx="4294967295" type="title"/>
+            <p:ph type="title" idx="4294967295"/>
           </p:nvPr>
         </p:nvSpPr>
         <p:spPr>
@@ -5642,7 +6051,7 @@
           </a:prstGeom>
         </p:spPr>
         <p:txBody>
-          <a:bodyPr anchorCtr="0" anchor="t" bIns="91425" lIns="91425" rIns="91425" tIns="91425">
+          <a:bodyPr lIns="91425" tIns="91425" rIns="91425" bIns="91425" anchor="t" anchorCtr="0">
             <a:noAutofit/>
           </a:bodyPr>
           <a:lstStyle/>
@@ -5657,8 +6066,12 @@
               <a:buNone/>
             </a:pPr>
             <a:r>
-              <a:rPr lang="en" sz="3600"/>
-              <a:t>Game Mechanics </a:t>
+              <a:rPr lang="en" sz="3600" dirty="0" smtClean="0"/>
+              <a:t>Core Game </a:t>
+            </a:r>
+            <a:r>
+              <a:rPr lang="en" sz="3600" dirty="0"/>
+              <a:t>Mechanics </a:t>
             </a:r>
           </a:p>
         </p:txBody>
@@ -5666,22 +6079,24 @@
       <p:sp>
         <p:nvSpPr>
           <p:cNvPr id="92" name="Shape 92"/>
-          <p:cNvSpPr txBox="1"/>
+          <p:cNvSpPr txBox="1">
+            <a:spLocks noGrp="1"/>
+          </p:cNvSpPr>
           <p:nvPr>
-            <p:ph idx="4294967295" type="title"/>
+            <p:ph type="title" idx="4294967295"/>
           </p:nvPr>
         </p:nvSpPr>
         <p:spPr>
           <a:xfrm>
             <a:off x="535775" y="1480150"/>
-            <a:ext cx="5197200" cy="3067500"/>
+            <a:ext cx="5197200" cy="3520492"/>
           </a:xfrm>
           <a:prstGeom prst="rect">
             <a:avLst/>
           </a:prstGeom>
         </p:spPr>
         <p:txBody>
-          <a:bodyPr anchorCtr="0" anchor="t" bIns="91425" lIns="91425" rIns="91425" tIns="91425">
+          <a:bodyPr lIns="91425" tIns="91425" rIns="91425" bIns="91425" anchor="t" anchorCtr="0">
             <a:noAutofit/>
           </a:bodyPr>
           <a:lstStyle/>
@@ -5699,7 +6114,7 @@
               <a:buNone/>
             </a:pPr>
             <a:r>
-              <a:rPr lang="en" sz="1800">
+              <a:rPr lang="en" sz="1800" dirty="0">
                 <a:latin typeface="Lato"/>
                 <a:ea typeface="Lato"/>
                 <a:cs typeface="Lato"/>
@@ -5722,7 +6137,7 @@
               <a:buNone/>
             </a:pPr>
             <a:r>
-              <a:rPr lang="en" sz="1800">
+              <a:rPr lang="en" sz="1800" dirty="0">
                 <a:latin typeface="Lato"/>
                 <a:ea typeface="Lato"/>
                 <a:cs typeface="Lato"/>
@@ -5745,7 +6160,7 @@
               <a:buNone/>
             </a:pPr>
             <a:r>
-              <a:rPr lang="en" sz="1800">
+              <a:rPr lang="en" sz="1800" dirty="0">
                 <a:latin typeface="Lato"/>
                 <a:ea typeface="Lato"/>
                 <a:cs typeface="Lato"/>
@@ -5753,6 +6168,97 @@
               </a:rPr>
               <a:t>Boss AI and movement </a:t>
             </a:r>
+            <a:r>
+              <a:rPr lang="en" sz="1800" dirty="0" smtClean="0">
+                <a:latin typeface="Lato"/>
+                <a:ea typeface="Lato"/>
+                <a:cs typeface="Lato"/>
+                <a:sym typeface="Lato"/>
+              </a:rPr>
+              <a:t/>
+            </a:r>
+            <a:br>
+              <a:rPr lang="en" sz="1800" dirty="0" smtClean="0">
+                <a:latin typeface="Lato"/>
+                <a:ea typeface="Lato"/>
+                <a:cs typeface="Lato"/>
+                <a:sym typeface="Lato"/>
+              </a:rPr>
+            </a:br>
+            <a:r>
+              <a:rPr lang="en" sz="1800" dirty="0" smtClean="0">
+                <a:latin typeface="Lato"/>
+                <a:ea typeface="Lato"/>
+                <a:cs typeface="Lato"/>
+                <a:sym typeface="Lato"/>
+              </a:rPr>
+              <a:t/>
+            </a:r>
+            <a:br>
+              <a:rPr lang="en" sz="1800" dirty="0" smtClean="0">
+                <a:latin typeface="Lato"/>
+                <a:ea typeface="Lato"/>
+                <a:cs typeface="Lato"/>
+                <a:sym typeface="Lato"/>
+              </a:rPr>
+            </a:br>
+            <a:r>
+              <a:rPr lang="en" sz="1800" dirty="0" smtClean="0">
+                <a:latin typeface="Lato"/>
+                <a:ea typeface="Lato"/>
+                <a:cs typeface="Lato"/>
+                <a:sym typeface="Lato"/>
+              </a:rPr>
+              <a:t>Having simple mechanics means it is easy to learn and get into the gameplay.</a:t>
+            </a:r>
+            <a:br>
+              <a:rPr lang="en" sz="1800" dirty="0" smtClean="0">
+                <a:latin typeface="Lato"/>
+                <a:ea typeface="Lato"/>
+                <a:cs typeface="Lato"/>
+                <a:sym typeface="Lato"/>
+              </a:rPr>
+            </a:br>
+            <a:r>
+              <a:rPr lang="en" sz="1800" dirty="0" smtClean="0">
+                <a:latin typeface="Lato"/>
+                <a:ea typeface="Lato"/>
+                <a:cs typeface="Lato"/>
+                <a:sym typeface="Lato"/>
+              </a:rPr>
+              <a:t/>
+            </a:r>
+            <a:br>
+              <a:rPr lang="en" sz="1800" dirty="0" smtClean="0">
+                <a:latin typeface="Lato"/>
+                <a:ea typeface="Lato"/>
+                <a:cs typeface="Lato"/>
+                <a:sym typeface="Lato"/>
+              </a:rPr>
+            </a:br>
+            <a:r>
+              <a:rPr lang="en" sz="1800" dirty="0" smtClean="0">
+                <a:latin typeface="Lato"/>
+                <a:ea typeface="Lato"/>
+                <a:cs typeface="Lato"/>
+                <a:sym typeface="Lato"/>
+              </a:rPr>
+              <a:t>Fast paced action gets players hooked. </a:t>
+            </a:r>
+            <a:br>
+              <a:rPr lang="en" sz="1800" dirty="0" smtClean="0">
+                <a:latin typeface="Lato"/>
+                <a:ea typeface="Lato"/>
+                <a:cs typeface="Lato"/>
+                <a:sym typeface="Lato"/>
+              </a:rPr>
+            </a:br>
+            <a:endParaRPr lang="en" sz="1800" dirty="0">
+              <a:latin typeface="Lato"/>
+              <a:ea typeface="Lato"/>
+              <a:cs typeface="Lato"/>
+              <a:sym typeface="Lato"/>
+            </a:endParaRPr>
           </a:p>
           <a:p>
             <a:pPr lvl="0" rtl="0">
@@ -5767,9 +6273,6 @@
               </a:spcAft>
               <a:buNone/>
             </a:pPr>
-            <a:r>
-              <a:t/>
-            </a:r>
             <a:endParaRPr sz="1800">
               <a:latin typeface="Lato"/>
               <a:ea typeface="Lato"/>
@@ -5788,11 +6291,11 @@
 </file>
 
 <file path=ppt/slides/slide8.xml><?xml version="1.0" encoding="utf-8"?>
-<p:sld xmlns:a="http://schemas.openxmlformats.org/drawingml/2006/main" xmlns:r="http://schemas.openxmlformats.org/officeDocument/2006/relationships" xmlns:mc="http://schemas.openxmlformats.org/markup-compatibility/2006" xmlns:mv="urn:schemas-microsoft-com:mac:vml" xmlns:p="http://schemas.openxmlformats.org/presentationml/2006/main" xmlns:c="http://schemas.openxmlformats.org/drawingml/2006/chart" xmlns:dgm="http://schemas.openxmlformats.org/drawingml/2006/diagram" xmlns:o="urn:schemas-microsoft-com:office:office" xmlns:v="urn:schemas-microsoft-com:vml" xmlns:pvml="urn:schemas-microsoft-com:office:powerpoint" xmlns:com="http://schemas.openxmlformats.org/drawingml/2006/compatibility" xmlns:p14="http://schemas.microsoft.com/office/powerpoint/2010/main">
+<p:sld xmlns:a="http://schemas.openxmlformats.org/drawingml/2006/main" xmlns:r="http://schemas.openxmlformats.org/officeDocument/2006/relationships" xmlns:p="http://schemas.openxmlformats.org/presentationml/2006/main">
   <p:cSld>
     <p:spTree>
       <p:nvGrpSpPr>
-        <p:cNvPr id="96" name="Shape 96"/>
+        <p:cNvPr id="1" name="Shape 96"/>
         <p:cNvGrpSpPr/>
         <p:nvPr/>
       </p:nvGrpSpPr>
@@ -5807,9 +6310,11 @@
       <p:sp>
         <p:nvSpPr>
           <p:cNvPr id="97" name="Shape 97"/>
-          <p:cNvSpPr txBox="1"/>
+          <p:cNvSpPr txBox="1">
+            <a:spLocks noGrp="1"/>
+          </p:cNvSpPr>
           <p:nvPr>
-            <p:ph idx="4294967295" type="title"/>
+            <p:ph type="title" idx="4294967295"/>
           </p:nvPr>
         </p:nvSpPr>
         <p:spPr>
@@ -5822,7 +6327,7 @@
           </a:prstGeom>
         </p:spPr>
         <p:txBody>
-          <a:bodyPr anchorCtr="0" anchor="t" bIns="91425" lIns="91425" rIns="91425" tIns="91425">
+          <a:bodyPr lIns="91425" tIns="91425" rIns="91425" bIns="91425" anchor="t" anchorCtr="0">
             <a:noAutofit/>
           </a:bodyPr>
           <a:lstStyle/>
@@ -5837,7 +6342,7 @@
               <a:buNone/>
             </a:pPr>
             <a:r>
-              <a:rPr lang="en" sz="3600"/>
+              <a:rPr lang="en" sz="3600" dirty="0"/>
               <a:t>Technical and Production Feasibility</a:t>
             </a:r>
           </a:p>
@@ -5846,22 +6351,24 @@
       <p:sp>
         <p:nvSpPr>
           <p:cNvPr id="98" name="Shape 98"/>
-          <p:cNvSpPr txBox="1"/>
+          <p:cNvSpPr txBox="1">
+            <a:spLocks noGrp="1"/>
+          </p:cNvSpPr>
           <p:nvPr>
-            <p:ph idx="4294967295" type="title"/>
+            <p:ph type="title" idx="4294967295"/>
           </p:nvPr>
         </p:nvSpPr>
         <p:spPr>
           <a:xfrm>
-            <a:off x="535775" y="1480150"/>
-            <a:ext cx="5197200" cy="3067500"/>
+            <a:off x="535774" y="1480150"/>
+            <a:ext cx="8036753" cy="3067500"/>
           </a:xfrm>
           <a:prstGeom prst="rect">
             <a:avLst/>
           </a:prstGeom>
         </p:spPr>
         <p:txBody>
-          <a:bodyPr anchorCtr="0" anchor="t" bIns="91425" lIns="91425" rIns="91425" tIns="91425">
+          <a:bodyPr lIns="91425" tIns="91425" rIns="91425" bIns="91425" anchor="t" anchorCtr="0">
             <a:noAutofit/>
           </a:bodyPr>
           <a:lstStyle/>
@@ -5879,8 +6386,107 @@
               <a:buNone/>
             </a:pPr>
             <a:r>
+              <a:rPr lang="en-GB" sz="1700" dirty="0" smtClean="0">
+                <a:latin typeface="Lato"/>
+                <a:ea typeface="Lato"/>
+                <a:cs typeface="Lato"/>
+                <a:sym typeface="Lato"/>
+              </a:rPr>
+              <a:t>Relatively simple art style means not very resource heavy</a:t>
+            </a:r>
+            <a:br>
+              <a:rPr lang="en-GB" sz="1700" dirty="0" smtClean="0">
+                <a:latin typeface="Lato"/>
+                <a:ea typeface="Lato"/>
+                <a:cs typeface="Lato"/>
+                <a:sym typeface="Lato"/>
+              </a:rPr>
+            </a:br>
+            <a:r>
+              <a:rPr lang="en-GB" sz="1700" dirty="0" smtClean="0">
+                <a:latin typeface="Lato"/>
+                <a:ea typeface="Lato"/>
+                <a:cs typeface="Lato"/>
+                <a:sym typeface="Lato"/>
+              </a:rPr>
               <a:t/>
             </a:r>
+            <a:br>
+              <a:rPr lang="en-GB" sz="1700" dirty="0" smtClean="0">
+                <a:latin typeface="Lato"/>
+                <a:ea typeface="Lato"/>
+                <a:cs typeface="Lato"/>
+                <a:sym typeface="Lato"/>
+              </a:rPr>
+            </a:br>
+            <a:r>
+              <a:rPr lang="en-GB" sz="1700" dirty="0" smtClean="0">
+                <a:latin typeface="Lato"/>
+                <a:ea typeface="Lato"/>
+                <a:cs typeface="Lato"/>
+                <a:sym typeface="Lato"/>
+              </a:rPr>
+              <a:t>Reusability of art assets leads to easy production of said assets</a:t>
+            </a:r>
+            <a:br>
+              <a:rPr lang="en-GB" sz="1700" dirty="0" smtClean="0">
+                <a:latin typeface="Lato"/>
+                <a:ea typeface="Lato"/>
+                <a:cs typeface="Lato"/>
+                <a:sym typeface="Lato"/>
+              </a:rPr>
+            </a:br>
+            <a:r>
+              <a:rPr lang="en-GB" sz="1700" dirty="0" smtClean="0">
+                <a:latin typeface="Lato"/>
+                <a:ea typeface="Lato"/>
+                <a:cs typeface="Lato"/>
+                <a:sym typeface="Lato"/>
+              </a:rPr>
+              <a:t/>
+            </a:r>
+            <a:br>
+              <a:rPr lang="en-GB" sz="1700" dirty="0" smtClean="0">
+                <a:latin typeface="Lato"/>
+                <a:ea typeface="Lato"/>
+                <a:cs typeface="Lato"/>
+                <a:sym typeface="Lato"/>
+              </a:rPr>
+            </a:br>
+            <a:r>
+              <a:rPr lang="en-GB" sz="1700" dirty="0" smtClean="0">
+                <a:latin typeface="Lato"/>
+                <a:ea typeface="Lato"/>
+                <a:cs typeface="Lato"/>
+                <a:sym typeface="Lato"/>
+              </a:rPr>
+              <a:t/>
+            </a:r>
+            <a:br>
+              <a:rPr lang="en-GB" sz="1700" dirty="0" smtClean="0">
+                <a:latin typeface="Lato"/>
+                <a:ea typeface="Lato"/>
+                <a:cs typeface="Lato"/>
+                <a:sym typeface="Lato"/>
+              </a:rPr>
+            </a:br>
+            <a:r>
+              <a:rPr lang="en-GB" sz="1700" dirty="0" smtClean="0">
+                <a:latin typeface="Lato"/>
+                <a:ea typeface="Lato"/>
+                <a:cs typeface="Lato"/>
+                <a:sym typeface="Lato"/>
+              </a:rPr>
+              <a:t/>
+            </a:r>
+            <a:br>
+              <a:rPr lang="en-GB" sz="1700" dirty="0" smtClean="0">
+                <a:latin typeface="Lato"/>
+                <a:ea typeface="Lato"/>
+                <a:cs typeface="Lato"/>
+                <a:sym typeface="Lato"/>
+              </a:rPr>
+            </a:br>
             <a:endParaRPr sz="1700">
               <a:latin typeface="Lato"/>
               <a:ea typeface="Lato"/>
@@ -5899,11 +6505,11 @@
 </file>
 
 <file path=ppt/slides/slide9.xml><?xml version="1.0" encoding="utf-8"?>
-<p:sld xmlns:a="http://schemas.openxmlformats.org/drawingml/2006/main" xmlns:r="http://schemas.openxmlformats.org/officeDocument/2006/relationships" xmlns:mc="http://schemas.openxmlformats.org/markup-compatibility/2006" xmlns:mv="urn:schemas-microsoft-com:mac:vml" xmlns:p="http://schemas.openxmlformats.org/presentationml/2006/main" xmlns:c="http://schemas.openxmlformats.org/drawingml/2006/chart" xmlns:dgm="http://schemas.openxmlformats.org/drawingml/2006/diagram" xmlns:o="urn:schemas-microsoft-com:office:office" xmlns:v="urn:schemas-microsoft-com:vml" xmlns:pvml="urn:schemas-microsoft-com:office:powerpoint" xmlns:com="http://schemas.openxmlformats.org/drawingml/2006/compatibility" xmlns:p14="http://schemas.microsoft.com/office/powerpoint/2010/main">
+<p:sld xmlns:a="http://schemas.openxmlformats.org/drawingml/2006/main" xmlns:r="http://schemas.openxmlformats.org/officeDocument/2006/relationships" xmlns:p="http://schemas.openxmlformats.org/presentationml/2006/main">
   <p:cSld>
     <p:spTree>
       <p:nvGrpSpPr>
-        <p:cNvPr id="102" name="Shape 102"/>
+        <p:cNvPr id="1" name="Shape 102"/>
         <p:cNvGrpSpPr/>
         <p:nvPr/>
       </p:nvGrpSpPr>
@@ -5918,9 +6524,11 @@
       <p:sp>
         <p:nvSpPr>
           <p:cNvPr id="103" name="Shape 103"/>
-          <p:cNvSpPr txBox="1"/>
+          <p:cNvSpPr txBox="1">
+            <a:spLocks noGrp="1"/>
+          </p:cNvSpPr>
           <p:nvPr>
-            <p:ph idx="4294967295" type="title"/>
+            <p:ph type="title" idx="4294967295"/>
           </p:nvPr>
         </p:nvSpPr>
         <p:spPr>
@@ -5933,7 +6541,7 @@
           </a:prstGeom>
         </p:spPr>
         <p:txBody>
-          <a:bodyPr anchorCtr="0" anchor="t" bIns="91425" lIns="91425" rIns="91425" tIns="91425">
+          <a:bodyPr lIns="91425" tIns="91425" rIns="91425" bIns="91425" anchor="t" anchorCtr="0">
             <a:noAutofit/>
           </a:bodyPr>
           <a:lstStyle/>
@@ -5957,9 +6565,11 @@
       <p:sp>
         <p:nvSpPr>
           <p:cNvPr id="104" name="Shape 104"/>
-          <p:cNvSpPr txBox="1"/>
+          <p:cNvSpPr txBox="1">
+            <a:spLocks noGrp="1"/>
+          </p:cNvSpPr>
           <p:nvPr>
-            <p:ph idx="4294967295" type="title"/>
+            <p:ph type="title" idx="4294967295"/>
           </p:nvPr>
         </p:nvSpPr>
         <p:spPr>
@@ -5972,7 +6582,7 @@
           </a:prstGeom>
         </p:spPr>
         <p:txBody>
-          <a:bodyPr anchorCtr="0" anchor="t" bIns="91425" lIns="91425" rIns="91425" tIns="91425">
+          <a:bodyPr lIns="91425" tIns="91425" rIns="91425" bIns="91425" anchor="t" anchorCtr="0">
             <a:noAutofit/>
           </a:bodyPr>
           <a:lstStyle/>
@@ -6056,7 +6666,288 @@
 </file>
 
 <file path=ppt/theme/theme1.xml><?xml version="1.0" encoding="utf-8"?>
-<a:theme xmlns:a="http://schemas.openxmlformats.org/drawingml/2006/main" xmlns:r="http://schemas.openxmlformats.org/officeDocument/2006/relationships" name="Custom Theme">
+<a:theme xmlns:a="http://schemas.openxmlformats.org/drawingml/2006/main" name="simple-dark-2">
+  <a:themeElements>
+    <a:clrScheme name="Simple Dark">
+      <a:dk1>
+        <a:srgbClr val="FFFFFF"/>
+      </a:dk1>
+      <a:lt1>
+        <a:srgbClr val="212121"/>
+      </a:lt1>
+      <a:dk2>
+        <a:srgbClr val="303030"/>
+      </a:dk2>
+      <a:lt2>
+        <a:srgbClr val="ADADAD"/>
+      </a:lt2>
+      <a:accent1>
+        <a:srgbClr val="009688"/>
+      </a:accent1>
+      <a:accent2>
+        <a:srgbClr val="EEEEEE"/>
+      </a:accent2>
+      <a:accent3>
+        <a:srgbClr val="78909C"/>
+      </a:accent3>
+      <a:accent4>
+        <a:srgbClr val="FFAB40"/>
+      </a:accent4>
+      <a:accent5>
+        <a:srgbClr val="4DD0E1"/>
+      </a:accent5>
+      <a:accent6>
+        <a:srgbClr val="EEFF41"/>
+      </a:accent6>
+      <a:hlink>
+        <a:srgbClr val="4DD0E1"/>
+      </a:hlink>
+      <a:folHlink>
+        <a:srgbClr val="4DD0E1"/>
+      </a:folHlink>
+    </a:clrScheme>
+    <a:fontScheme name="Office">
+      <a:majorFont>
+        <a:latin typeface="Arial"/>
+        <a:ea typeface=""/>
+        <a:cs typeface=""/>
+        <a:font script="Jpan" typeface="ＭＳ Ｐゴシック"/>
+        <a:font script="Hang" typeface="맑은 고딕"/>
+        <a:font script="Hans" typeface="宋体"/>
+        <a:font script="Hant" typeface="新細明體"/>
+        <a:font script="Arab" typeface="Times New Roman"/>
+        <a:font script="Hebr" typeface="Times New Roman"/>
+        <a:font script="Thai" typeface="Angsana New"/>
+        <a:font script="Ethi" typeface="Nyala"/>
+        <a:font script="Beng" typeface="Vrinda"/>
+        <a:font script="Gujr" typeface="Shruti"/>
+        <a:font script="Khmr" typeface="MoolBoran"/>
+        <a:font script="Knda" typeface="Tunga"/>
+        <a:font script="Guru" typeface="Raavi"/>
+        <a:font script="Cans" typeface="Euphemia"/>
+        <a:font script="Cher" typeface="Plantagenet Cherokee"/>
+        <a:font script="Yiii" typeface="Microsoft Yi Baiti"/>
+        <a:font script="Tibt" typeface="Microsoft Himalaya"/>
+        <a:font script="Thaa" typeface="MV Boli"/>
+        <a:font script="Deva" typeface="Mangal"/>
+        <a:font script="Telu" typeface="Gautami"/>
+        <a:font script="Taml" typeface="Latha"/>
+        <a:font script="Syrc" typeface="Estrangelo Edessa"/>
+        <a:font script="Orya" typeface="Kalinga"/>
+        <a:font script="Mlym" typeface="Kartika"/>
+        <a:font script="Laoo" typeface="DokChampa"/>
+        <a:font script="Sinh" typeface="Iskoola Pota"/>
+        <a:font script="Mong" typeface="Mongolian Baiti"/>
+        <a:font script="Viet" typeface="Times New Roman"/>
+        <a:font script="Uigh" typeface="Microsoft Uighur"/>
+        <a:font script="Geor" typeface="Sylfaen"/>
+      </a:majorFont>
+      <a:minorFont>
+        <a:latin typeface="Arial"/>
+        <a:ea typeface=""/>
+        <a:cs typeface=""/>
+        <a:font script="Jpan" typeface="ＭＳ Ｐゴシック"/>
+        <a:font script="Hang" typeface="맑은 고딕"/>
+        <a:font script="Hans" typeface="宋体"/>
+        <a:font script="Hant" typeface="新細明體"/>
+        <a:font script="Arab" typeface="Arial"/>
+        <a:font script="Hebr" typeface="Arial"/>
+        <a:font script="Thai" typeface="Cordia New"/>
+        <a:font script="Ethi" typeface="Nyala"/>
+        <a:font script="Beng" typeface="Vrinda"/>
+        <a:font script="Gujr" typeface="Shruti"/>
+        <a:font script="Khmr" typeface="DaunPenh"/>
+        <a:font script="Knda" typeface="Tunga"/>
+        <a:font script="Guru" typeface="Raavi"/>
+        <a:font script="Cans" typeface="Euphemia"/>
+        <a:font script="Cher" typeface="Plantagenet Cherokee"/>
+        <a:font script="Yiii" typeface="Microsoft Yi Baiti"/>
+        <a:font script="Tibt" typeface="Microsoft Himalaya"/>
+        <a:font script="Thaa" typeface="MV Boli"/>
+        <a:font script="Deva" typeface="Mangal"/>
+        <a:font script="Telu" typeface="Gautami"/>
+        <a:font script="Taml" typeface="Latha"/>
+        <a:font script="Syrc" typeface="Estrangelo Edessa"/>
+        <a:font script="Orya" typeface="Kalinga"/>
+        <a:font script="Mlym" typeface="Kartika"/>
+        <a:font script="Laoo" typeface="DokChampa"/>
+        <a:font script="Sinh" typeface="Iskoola Pota"/>
+        <a:font script="Mong" typeface="Mongolian Baiti"/>
+        <a:font script="Viet" typeface="Arial"/>
+        <a:font script="Uigh" typeface="Microsoft Uighur"/>
+        <a:font script="Geor" typeface="Sylfaen"/>
+      </a:minorFont>
+    </a:fontScheme>
+    <a:fmtScheme name="Office">
+      <a:fillStyleLst>
+        <a:solidFill>
+          <a:schemeClr val="phClr"/>
+        </a:solidFill>
+        <a:gradFill rotWithShape="1">
+          <a:gsLst>
+            <a:gs pos="0">
+              <a:schemeClr val="phClr">
+                <a:tint val="50000"/>
+                <a:satMod val="300000"/>
+              </a:schemeClr>
+            </a:gs>
+            <a:gs pos="35000">
+              <a:schemeClr val="phClr">
+                <a:tint val="37000"/>
+                <a:satMod val="300000"/>
+              </a:schemeClr>
+            </a:gs>
+            <a:gs pos="100000">
+              <a:schemeClr val="phClr">
+                <a:tint val="15000"/>
+                <a:satMod val="350000"/>
+              </a:schemeClr>
+            </a:gs>
+          </a:gsLst>
+          <a:lin ang="16200000" scaled="1"/>
+        </a:gradFill>
+        <a:gradFill rotWithShape="1">
+          <a:gsLst>
+            <a:gs pos="0">
+              <a:schemeClr val="phClr">
+                <a:tint val="100000"/>
+                <a:shade val="100000"/>
+                <a:satMod val="130000"/>
+              </a:schemeClr>
+            </a:gs>
+            <a:gs pos="100000">
+              <a:schemeClr val="phClr">
+                <a:tint val="50000"/>
+                <a:shade val="100000"/>
+                <a:satMod val="350000"/>
+              </a:schemeClr>
+            </a:gs>
+          </a:gsLst>
+          <a:lin ang="16200000" scaled="0"/>
+        </a:gradFill>
+      </a:fillStyleLst>
+      <a:lnStyleLst>
+        <a:ln w="9525" cap="flat" cmpd="sng" algn="ctr">
+          <a:solidFill>
+            <a:schemeClr val="phClr">
+              <a:shade val="95000"/>
+              <a:satMod val="105000"/>
+            </a:schemeClr>
+          </a:solidFill>
+          <a:prstDash val="solid"/>
+        </a:ln>
+        <a:ln w="25400" cap="flat" cmpd="sng" algn="ctr">
+          <a:solidFill>
+            <a:schemeClr val="phClr"/>
+          </a:solidFill>
+          <a:prstDash val="solid"/>
+        </a:ln>
+        <a:ln w="38100" cap="flat" cmpd="sng" algn="ctr">
+          <a:solidFill>
+            <a:schemeClr val="phClr"/>
+          </a:solidFill>
+          <a:prstDash val="solid"/>
+        </a:ln>
+      </a:lnStyleLst>
+      <a:effectStyleLst>
+        <a:effectStyle>
+          <a:effectLst>
+            <a:outerShdw blurRad="40000" dist="20000" dir="5400000" rotWithShape="0">
+              <a:srgbClr val="000000">
+                <a:alpha val="38000"/>
+              </a:srgbClr>
+            </a:outerShdw>
+          </a:effectLst>
+        </a:effectStyle>
+        <a:effectStyle>
+          <a:effectLst>
+            <a:outerShdw blurRad="40000" dist="23000" dir="5400000" rotWithShape="0">
+              <a:srgbClr val="000000">
+                <a:alpha val="35000"/>
+              </a:srgbClr>
+            </a:outerShdw>
+          </a:effectLst>
+        </a:effectStyle>
+        <a:effectStyle>
+          <a:effectLst>
+            <a:outerShdw blurRad="40000" dist="23000" dir="5400000" rotWithShape="0">
+              <a:srgbClr val="000000">
+                <a:alpha val="35000"/>
+              </a:srgbClr>
+            </a:outerShdw>
+          </a:effectLst>
+          <a:scene3d>
+            <a:camera prst="orthographicFront">
+              <a:rot lat="0" lon="0" rev="0"/>
+            </a:camera>
+            <a:lightRig rig="threePt" dir="t">
+              <a:rot lat="0" lon="0" rev="1200000"/>
+            </a:lightRig>
+          </a:scene3d>
+          <a:sp3d>
+            <a:bevelT w="63500" h="25400"/>
+          </a:sp3d>
+        </a:effectStyle>
+      </a:effectStyleLst>
+      <a:bgFillStyleLst>
+        <a:solidFill>
+          <a:schemeClr val="phClr"/>
+        </a:solidFill>
+        <a:gradFill rotWithShape="1">
+          <a:gsLst>
+            <a:gs pos="0">
+              <a:schemeClr val="phClr">
+                <a:tint val="40000"/>
+                <a:satMod val="350000"/>
+              </a:schemeClr>
+            </a:gs>
+            <a:gs pos="40000">
+              <a:schemeClr val="phClr">
+                <a:tint val="45000"/>
+                <a:shade val="99000"/>
+                <a:satMod val="350000"/>
+              </a:schemeClr>
+            </a:gs>
+            <a:gs pos="100000">
+              <a:schemeClr val="phClr">
+                <a:shade val="20000"/>
+                <a:satMod val="255000"/>
+              </a:schemeClr>
+            </a:gs>
+          </a:gsLst>
+          <a:path path="circle">
+            <a:fillToRect l="50000" t="-80000" r="50000" b="180000"/>
+          </a:path>
+        </a:gradFill>
+        <a:gradFill rotWithShape="1">
+          <a:gsLst>
+            <a:gs pos="0">
+              <a:schemeClr val="phClr">
+                <a:tint val="80000"/>
+                <a:satMod val="300000"/>
+              </a:schemeClr>
+            </a:gs>
+            <a:gs pos="100000">
+              <a:schemeClr val="phClr">
+                <a:shade val="30000"/>
+                <a:satMod val="200000"/>
+              </a:schemeClr>
+            </a:gs>
+          </a:gsLst>
+          <a:path path="circle">
+            <a:fillToRect l="50000" t="50000" r="50000" b="50000"/>
+          </a:path>
+        </a:gradFill>
+      </a:bgFillStyleLst>
+    </a:fmtScheme>
+  </a:themeElements>
+  <a:objectDefaults/>
+  <a:extraClrSchemeLst/>
+</a:theme>
+</file>
+
+<file path=ppt/theme/theme2.xml><?xml version="1.0" encoding="utf-8"?>
+<a:theme xmlns:a="http://schemas.openxmlformats.org/drawingml/2006/main" name="Custom Theme">
   <a:themeElements>
     <a:clrScheme name="Default">
       <a:dk1>
@@ -6331,284 +7222,7 @@
       </a:bgFillStyleLst>
     </a:fmtScheme>
   </a:themeElements>
-</a:theme>
-</file>
-
-<file path=ppt/theme/theme2.xml><?xml version="1.0" encoding="utf-8"?>
-<a:theme xmlns:a="http://schemas.openxmlformats.org/drawingml/2006/main" xmlns:r="http://schemas.openxmlformats.org/officeDocument/2006/relationships" name="simple-dark-2">
-  <a:themeElements>
-    <a:clrScheme name="Simple Dark">
-      <a:dk1>
-        <a:srgbClr val="FFFFFF"/>
-      </a:dk1>
-      <a:lt1>
-        <a:srgbClr val="212121"/>
-      </a:lt1>
-      <a:dk2>
-        <a:srgbClr val="303030"/>
-      </a:dk2>
-      <a:lt2>
-        <a:srgbClr val="ADADAD"/>
-      </a:lt2>
-      <a:accent1>
-        <a:srgbClr val="009688"/>
-      </a:accent1>
-      <a:accent2>
-        <a:srgbClr val="EEEEEE"/>
-      </a:accent2>
-      <a:accent3>
-        <a:srgbClr val="78909C"/>
-      </a:accent3>
-      <a:accent4>
-        <a:srgbClr val="FFAB40"/>
-      </a:accent4>
-      <a:accent5>
-        <a:srgbClr val="4DD0E1"/>
-      </a:accent5>
-      <a:accent6>
-        <a:srgbClr val="EEFF41"/>
-      </a:accent6>
-      <a:hlink>
-        <a:srgbClr val="4DD0E1"/>
-      </a:hlink>
-      <a:folHlink>
-        <a:srgbClr val="4DD0E1"/>
-      </a:folHlink>
-    </a:clrScheme>
-    <a:fontScheme name="Office">
-      <a:majorFont>
-        <a:latin typeface="Arial"/>
-        <a:ea typeface=""/>
-        <a:cs typeface=""/>
-        <a:font script="Jpan" typeface="ＭＳ Ｐゴシック"/>
-        <a:font script="Hang" typeface="맑은 고딕"/>
-        <a:font script="Hans" typeface="宋体"/>
-        <a:font script="Hant" typeface="新細明體"/>
-        <a:font script="Arab" typeface="Times New Roman"/>
-        <a:font script="Hebr" typeface="Times New Roman"/>
-        <a:font script="Thai" typeface="Angsana New"/>
-        <a:font script="Ethi" typeface="Nyala"/>
-        <a:font script="Beng" typeface="Vrinda"/>
-        <a:font script="Gujr" typeface="Shruti"/>
-        <a:font script="Khmr" typeface="MoolBoran"/>
-        <a:font script="Knda" typeface="Tunga"/>
-        <a:font script="Guru" typeface="Raavi"/>
-        <a:font script="Cans" typeface="Euphemia"/>
-        <a:font script="Cher" typeface="Plantagenet Cherokee"/>
-        <a:font script="Yiii" typeface="Microsoft Yi Baiti"/>
-        <a:font script="Tibt" typeface="Microsoft Himalaya"/>
-        <a:font script="Thaa" typeface="MV Boli"/>
-        <a:font script="Deva" typeface="Mangal"/>
-        <a:font script="Telu" typeface="Gautami"/>
-        <a:font script="Taml" typeface="Latha"/>
-        <a:font script="Syrc" typeface="Estrangelo Edessa"/>
-        <a:font script="Orya" typeface="Kalinga"/>
-        <a:font script="Mlym" typeface="Kartika"/>
-        <a:font script="Laoo" typeface="DokChampa"/>
-        <a:font script="Sinh" typeface="Iskoola Pota"/>
-        <a:font script="Mong" typeface="Mongolian Baiti"/>
-        <a:font script="Viet" typeface="Times New Roman"/>
-        <a:font script="Uigh" typeface="Microsoft Uighur"/>
-        <a:font script="Geor" typeface="Sylfaen"/>
-      </a:majorFont>
-      <a:minorFont>
-        <a:latin typeface="Arial"/>
-        <a:ea typeface=""/>
-        <a:cs typeface=""/>
-        <a:font script="Jpan" typeface="ＭＳ Ｐゴシック"/>
-        <a:font script="Hang" typeface="맑은 고딕"/>
-        <a:font script="Hans" typeface="宋体"/>
-        <a:font script="Hant" typeface="新細明體"/>
-        <a:font script="Arab" typeface="Arial"/>
-        <a:font script="Hebr" typeface="Arial"/>
-        <a:font script="Thai" typeface="Cordia New"/>
-        <a:font script="Ethi" typeface="Nyala"/>
-        <a:font script="Beng" typeface="Vrinda"/>
-        <a:font script="Gujr" typeface="Shruti"/>
-        <a:font script="Khmr" typeface="DaunPenh"/>
-        <a:font script="Knda" typeface="Tunga"/>
-        <a:font script="Guru" typeface="Raavi"/>
-        <a:font script="Cans" typeface="Euphemia"/>
-        <a:font script="Cher" typeface="Plantagenet Cherokee"/>
-        <a:font script="Yiii" typeface="Microsoft Yi Baiti"/>
-        <a:font script="Tibt" typeface="Microsoft Himalaya"/>
-        <a:font script="Thaa" typeface="MV Boli"/>
-        <a:font script="Deva" typeface="Mangal"/>
-        <a:font script="Telu" typeface="Gautami"/>
-        <a:font script="Taml" typeface="Latha"/>
-        <a:font script="Syrc" typeface="Estrangelo Edessa"/>
-        <a:font script="Orya" typeface="Kalinga"/>
-        <a:font script="Mlym" typeface="Kartika"/>
-        <a:font script="Laoo" typeface="DokChampa"/>
-        <a:font script="Sinh" typeface="Iskoola Pota"/>
-        <a:font script="Mong" typeface="Mongolian Baiti"/>
-        <a:font script="Viet" typeface="Arial"/>
-        <a:font script="Uigh" typeface="Microsoft Uighur"/>
-        <a:font script="Geor" typeface="Sylfaen"/>
-      </a:minorFont>
-    </a:fontScheme>
-    <a:fmtScheme name="Office">
-      <a:fillStyleLst>
-        <a:solidFill>
-          <a:schemeClr val="phClr"/>
-        </a:solidFill>
-        <a:gradFill rotWithShape="1">
-          <a:gsLst>
-            <a:gs pos="0">
-              <a:schemeClr val="phClr">
-                <a:tint val="50000"/>
-                <a:satMod val="300000"/>
-              </a:schemeClr>
-            </a:gs>
-            <a:gs pos="35000">
-              <a:schemeClr val="phClr">
-                <a:tint val="37000"/>
-                <a:satMod val="300000"/>
-              </a:schemeClr>
-            </a:gs>
-            <a:gs pos="100000">
-              <a:schemeClr val="phClr">
-                <a:tint val="15000"/>
-                <a:satMod val="350000"/>
-              </a:schemeClr>
-            </a:gs>
-          </a:gsLst>
-          <a:lin ang="16200000" scaled="1"/>
-        </a:gradFill>
-        <a:gradFill rotWithShape="1">
-          <a:gsLst>
-            <a:gs pos="0">
-              <a:schemeClr val="phClr">
-                <a:tint val="100000"/>
-                <a:shade val="100000"/>
-                <a:satMod val="130000"/>
-              </a:schemeClr>
-            </a:gs>
-            <a:gs pos="100000">
-              <a:schemeClr val="phClr">
-                <a:tint val="50000"/>
-                <a:shade val="100000"/>
-                <a:satMod val="350000"/>
-              </a:schemeClr>
-            </a:gs>
-          </a:gsLst>
-          <a:lin ang="16200000" scaled="0"/>
-        </a:gradFill>
-      </a:fillStyleLst>
-      <a:lnStyleLst>
-        <a:ln w="9525" cap="flat" cmpd="sng" algn="ctr">
-          <a:solidFill>
-            <a:schemeClr val="phClr">
-              <a:shade val="95000"/>
-              <a:satMod val="105000"/>
-            </a:schemeClr>
-          </a:solidFill>
-          <a:prstDash val="solid"/>
-        </a:ln>
-        <a:ln w="25400" cap="flat" cmpd="sng" algn="ctr">
-          <a:solidFill>
-            <a:schemeClr val="phClr"/>
-          </a:solidFill>
-          <a:prstDash val="solid"/>
-        </a:ln>
-        <a:ln w="38100" cap="flat" cmpd="sng" algn="ctr">
-          <a:solidFill>
-            <a:schemeClr val="phClr"/>
-          </a:solidFill>
-          <a:prstDash val="solid"/>
-        </a:ln>
-      </a:lnStyleLst>
-      <a:effectStyleLst>
-        <a:effectStyle>
-          <a:effectLst>
-            <a:outerShdw blurRad="40000" dist="20000" dir="5400000" rotWithShape="0">
-              <a:srgbClr val="000000">
-                <a:alpha val="38000"/>
-              </a:srgbClr>
-            </a:outerShdw>
-          </a:effectLst>
-        </a:effectStyle>
-        <a:effectStyle>
-          <a:effectLst>
-            <a:outerShdw blurRad="40000" dist="23000" dir="5400000" rotWithShape="0">
-              <a:srgbClr val="000000">
-                <a:alpha val="35000"/>
-              </a:srgbClr>
-            </a:outerShdw>
-          </a:effectLst>
-        </a:effectStyle>
-        <a:effectStyle>
-          <a:effectLst>
-            <a:outerShdw blurRad="40000" dist="23000" dir="5400000" rotWithShape="0">
-              <a:srgbClr val="000000">
-                <a:alpha val="35000"/>
-              </a:srgbClr>
-            </a:outerShdw>
-          </a:effectLst>
-          <a:scene3d>
-            <a:camera prst="orthographicFront">
-              <a:rot lat="0" lon="0" rev="0"/>
-            </a:camera>
-            <a:lightRig rig="threePt" dir="t">
-              <a:rot lat="0" lon="0" rev="1200000"/>
-            </a:lightRig>
-          </a:scene3d>
-          <a:sp3d>
-            <a:bevelT w="63500" h="25400"/>
-          </a:sp3d>
-        </a:effectStyle>
-      </a:effectStyleLst>
-      <a:bgFillStyleLst>
-        <a:solidFill>
-          <a:schemeClr val="phClr"/>
-        </a:solidFill>
-        <a:gradFill rotWithShape="1">
-          <a:gsLst>
-            <a:gs pos="0">
-              <a:schemeClr val="phClr">
-                <a:tint val="40000"/>
-                <a:satMod val="350000"/>
-              </a:schemeClr>
-            </a:gs>
-            <a:gs pos="40000">
-              <a:schemeClr val="phClr">
-                <a:tint val="45000"/>
-                <a:shade val="99000"/>
-                <a:satMod val="350000"/>
-              </a:schemeClr>
-            </a:gs>
-            <a:gs pos="100000">
-              <a:schemeClr val="phClr">
-                <a:shade val="20000"/>
-                <a:satMod val="255000"/>
-              </a:schemeClr>
-            </a:gs>
-          </a:gsLst>
-          <a:path path="circle">
-            <a:fillToRect l="50000" t="-80000" r="50000" b="180000"/>
-          </a:path>
-        </a:gradFill>
-        <a:gradFill rotWithShape="1">
-          <a:gsLst>
-            <a:gs pos="0">
-              <a:schemeClr val="phClr">
-                <a:tint val="80000"/>
-                <a:satMod val="300000"/>
-              </a:schemeClr>
-            </a:gs>
-            <a:gs pos="100000">
-              <a:schemeClr val="phClr">
-                <a:shade val="30000"/>
-                <a:satMod val="200000"/>
-              </a:schemeClr>
-            </a:gs>
-          </a:gsLst>
-          <a:path path="circle">
-            <a:fillToRect l="50000" t="50000" r="50000" b="50000"/>
-          </a:path>
-        </a:gradFill>
-      </a:bgFillStyleLst>
-    </a:fmtScheme>
-  </a:themeElements>
+  <a:objectDefaults/>
+  <a:extraClrSchemeLst/>
 </a:theme>
 </file>